--- a/slides/docker.pptx
+++ b/slides/docker.pptx
@@ -7,28 +7,29 @@
   <p:sldIdLst>
     <p:sldId id="256" r:id="rId2"/>
     <p:sldId id="272" r:id="rId3"/>
-    <p:sldId id="257" r:id="rId4"/>
-    <p:sldId id="264" r:id="rId5"/>
-    <p:sldId id="273" r:id="rId6"/>
-    <p:sldId id="258" r:id="rId7"/>
-    <p:sldId id="271" r:id="rId8"/>
-    <p:sldId id="278" r:id="rId9"/>
-    <p:sldId id="276" r:id="rId10"/>
-    <p:sldId id="277" r:id="rId11"/>
-    <p:sldId id="260" r:id="rId12"/>
-    <p:sldId id="281" r:id="rId13"/>
-    <p:sldId id="261" r:id="rId14"/>
-    <p:sldId id="267" r:id="rId15"/>
-    <p:sldId id="268" r:id="rId16"/>
-    <p:sldId id="266" r:id="rId17"/>
-    <p:sldId id="279" r:id="rId18"/>
-    <p:sldId id="275" r:id="rId19"/>
-    <p:sldId id="269" r:id="rId20"/>
-    <p:sldId id="274" r:id="rId21"/>
-    <p:sldId id="280" r:id="rId22"/>
-    <p:sldId id="259" r:id="rId23"/>
-    <p:sldId id="270" r:id="rId24"/>
-    <p:sldId id="282" r:id="rId25"/>
+    <p:sldId id="283" r:id="rId4"/>
+    <p:sldId id="257" r:id="rId5"/>
+    <p:sldId id="264" r:id="rId6"/>
+    <p:sldId id="273" r:id="rId7"/>
+    <p:sldId id="258" r:id="rId8"/>
+    <p:sldId id="271" r:id="rId9"/>
+    <p:sldId id="278" r:id="rId10"/>
+    <p:sldId id="276" r:id="rId11"/>
+    <p:sldId id="277" r:id="rId12"/>
+    <p:sldId id="260" r:id="rId13"/>
+    <p:sldId id="281" r:id="rId14"/>
+    <p:sldId id="261" r:id="rId15"/>
+    <p:sldId id="267" r:id="rId16"/>
+    <p:sldId id="268" r:id="rId17"/>
+    <p:sldId id="266" r:id="rId18"/>
+    <p:sldId id="279" r:id="rId19"/>
+    <p:sldId id="275" r:id="rId20"/>
+    <p:sldId id="269" r:id="rId21"/>
+    <p:sldId id="274" r:id="rId22"/>
+    <p:sldId id="280" r:id="rId23"/>
+    <p:sldId id="259" r:id="rId24"/>
+    <p:sldId id="270" r:id="rId25"/>
+    <p:sldId id="282" r:id="rId26"/>
   </p:sldIdLst>
   <p:sldSz cx="12192000" cy="6858000"/>
   <p:notesSz cx="6858000" cy="9144000"/>
@@ -282,7 +283,7 @@
           <a:p>
             <a:fld id="{D697FA50-5596-4026-B625-4A0202262A1E}" type="datetimeFigureOut">
               <a:rPr lang="en-US" smtClean="0"/>
-              <a:t>3/12/2018</a:t>
+              <a:t>3/14/2018</a:t>
             </a:fld>
             <a:endParaRPr lang="en-US"/>
           </a:p>
@@ -480,7 +481,7 @@
           <a:p>
             <a:fld id="{D697FA50-5596-4026-B625-4A0202262A1E}" type="datetimeFigureOut">
               <a:rPr lang="en-US" smtClean="0"/>
-              <a:t>3/12/2018</a:t>
+              <a:t>3/14/2018</a:t>
             </a:fld>
             <a:endParaRPr lang="en-US"/>
           </a:p>
@@ -688,7 +689,7 @@
           <a:p>
             <a:fld id="{D697FA50-5596-4026-B625-4A0202262A1E}" type="datetimeFigureOut">
               <a:rPr lang="en-US" smtClean="0"/>
-              <a:t>3/12/2018</a:t>
+              <a:t>3/14/2018</a:t>
             </a:fld>
             <a:endParaRPr lang="en-US"/>
           </a:p>
@@ -886,7 +887,7 @@
           <a:p>
             <a:fld id="{D697FA50-5596-4026-B625-4A0202262A1E}" type="datetimeFigureOut">
               <a:rPr lang="en-US" smtClean="0"/>
-              <a:t>3/12/2018</a:t>
+              <a:t>3/14/2018</a:t>
             </a:fld>
             <a:endParaRPr lang="en-US"/>
           </a:p>
@@ -1161,7 +1162,7 @@
           <a:p>
             <a:fld id="{D697FA50-5596-4026-B625-4A0202262A1E}" type="datetimeFigureOut">
               <a:rPr lang="en-US" smtClean="0"/>
-              <a:t>3/12/2018</a:t>
+              <a:t>3/14/2018</a:t>
             </a:fld>
             <a:endParaRPr lang="en-US"/>
           </a:p>
@@ -1426,7 +1427,7 @@
           <a:p>
             <a:fld id="{D697FA50-5596-4026-B625-4A0202262A1E}" type="datetimeFigureOut">
               <a:rPr lang="en-US" smtClean="0"/>
-              <a:t>3/12/2018</a:t>
+              <a:t>3/14/2018</a:t>
             </a:fld>
             <a:endParaRPr lang="en-US"/>
           </a:p>
@@ -1838,7 +1839,7 @@
           <a:p>
             <a:fld id="{D697FA50-5596-4026-B625-4A0202262A1E}" type="datetimeFigureOut">
               <a:rPr lang="en-US" smtClean="0"/>
-              <a:t>3/12/2018</a:t>
+              <a:t>3/14/2018</a:t>
             </a:fld>
             <a:endParaRPr lang="en-US"/>
           </a:p>
@@ -1979,7 +1980,7 @@
           <a:p>
             <a:fld id="{D697FA50-5596-4026-B625-4A0202262A1E}" type="datetimeFigureOut">
               <a:rPr lang="en-US" smtClean="0"/>
-              <a:t>3/12/2018</a:t>
+              <a:t>3/14/2018</a:t>
             </a:fld>
             <a:endParaRPr lang="en-US"/>
           </a:p>
@@ -2092,7 +2093,7 @@
           <a:p>
             <a:fld id="{D697FA50-5596-4026-B625-4A0202262A1E}" type="datetimeFigureOut">
               <a:rPr lang="en-US" smtClean="0"/>
-              <a:t>3/12/2018</a:t>
+              <a:t>3/14/2018</a:t>
             </a:fld>
             <a:endParaRPr lang="en-US"/>
           </a:p>
@@ -2403,7 +2404,7 @@
           <a:p>
             <a:fld id="{D697FA50-5596-4026-B625-4A0202262A1E}" type="datetimeFigureOut">
               <a:rPr lang="en-US" smtClean="0"/>
-              <a:t>3/12/2018</a:t>
+              <a:t>3/14/2018</a:t>
             </a:fld>
             <a:endParaRPr lang="en-US"/>
           </a:p>
@@ -2691,7 +2692,7 @@
           <a:p>
             <a:fld id="{D697FA50-5596-4026-B625-4A0202262A1E}" type="datetimeFigureOut">
               <a:rPr lang="en-US" smtClean="0"/>
-              <a:t>3/12/2018</a:t>
+              <a:t>3/14/2018</a:t>
             </a:fld>
             <a:endParaRPr lang="en-US"/>
           </a:p>
@@ -2932,7 +2933,7 @@
           <a:p>
             <a:fld id="{D697FA50-5596-4026-B625-4A0202262A1E}" type="datetimeFigureOut">
               <a:rPr lang="en-US" smtClean="0"/>
-              <a:t>3/12/2018</a:t>
+              <a:t>3/14/2018</a:t>
             </a:fld>
             <a:endParaRPr lang="en-US"/>
           </a:p>
@@ -3443,7 +3444,7 @@
           <p:cNvPr id="2" name="Title 1">
             <a:extLst>
               <a:ext uri="{FF2B5EF4-FFF2-40B4-BE49-F238E27FC236}">
-                <a16:creationId xmlns:a16="http://schemas.microsoft.com/office/drawing/2014/main" id="{BB21D77D-4C3A-4B66-84CE-9B062D14A330}"/>
+                <a16:creationId xmlns:a16="http://schemas.microsoft.com/office/drawing/2014/main" id="{FDDEB9F3-461B-4265-9B1D-4037824C205C}"/>
               </a:ext>
             </a:extLst>
           </p:cNvPr>
@@ -3459,97 +3460,87 @@
           <a:bodyPr/>
           <a:lstStyle/>
           <a:p>
-            <a:r>
-              <a:rPr lang="en-US" dirty="0"/>
-              <a:t>.</a:t>
-            </a:r>
-            <a:r>
-              <a:rPr lang="en-US" dirty="0" err="1"/>
-              <a:t>dockerignore</a:t>
-            </a:r>
-            <a:endParaRPr lang="en-US" dirty="0"/>
-          </a:p>
-        </p:txBody>
-      </p:sp>
-      <p:sp>
-        <p:nvSpPr>
-          <p:cNvPr id="3" name="Content Placeholder 2">
-            <a:extLst>
-              <a:ext uri="{FF2B5EF4-FFF2-40B4-BE49-F238E27FC236}">
-                <a16:creationId xmlns:a16="http://schemas.microsoft.com/office/drawing/2014/main" id="{E533342D-28AE-48F1-92F9-DB97BE6F87FE}"/>
-              </a:ext>
-            </a:extLst>
-          </p:cNvPr>
-          <p:cNvSpPr>
-            <a:spLocks noGrp="1"/>
-          </p:cNvSpPr>
-          <p:nvPr>
-            <p:ph idx="1"/>
-          </p:nvPr>
-        </p:nvSpPr>
-        <p:spPr/>
-        <p:txBody>
-          <a:bodyPr/>
-          <a:lstStyle/>
-          <a:p>
-            <a:r>
-              <a:rPr lang="en-US" dirty="0"/>
-              <a:t>build context</a:t>
-            </a:r>
-          </a:p>
-          <a:p>
-            <a:pPr lvl="1"/>
             <a:r>
               <a:rPr lang="en-US" dirty="0" err="1"/>
               <a:t>Dockerfile</a:t>
             </a:r>
-            <a:r>
-              <a:rPr lang="en-US" dirty="0"/>
-              <a:t> is part of it</a:t>
+            <a:endParaRPr lang="en-US" dirty="0"/>
+          </a:p>
+        </p:txBody>
+      </p:sp>
+      <p:sp>
+        <p:nvSpPr>
+          <p:cNvPr id="3" name="Content Placeholder 2">
+            <a:extLst>
+              <a:ext uri="{FF2B5EF4-FFF2-40B4-BE49-F238E27FC236}">
+                <a16:creationId xmlns:a16="http://schemas.microsoft.com/office/drawing/2014/main" id="{C801C1B4-72B6-4993-AAF4-ED9C27918B8B}"/>
+              </a:ext>
+            </a:extLst>
+          </p:cNvPr>
+          <p:cNvSpPr>
+            <a:spLocks noGrp="1"/>
+          </p:cNvSpPr>
+          <p:nvPr>
+            <p:ph idx="1"/>
+          </p:nvPr>
+        </p:nvSpPr>
+        <p:spPr/>
+        <p:txBody>
+          <a:bodyPr/>
+          <a:lstStyle/>
+          <a:p>
+            <a:r>
+              <a:rPr lang="en-US" dirty="0"/>
+              <a:t>Instructions how to build docker image</a:t>
+            </a:r>
+          </a:p>
+          <a:p>
+            <a:r>
+              <a:rPr lang="en-US" dirty="0"/>
+              <a:t>Parent image</a:t>
             </a:r>
           </a:p>
           <a:p>
             <a:pPr lvl="1"/>
             <a:r>
               <a:rPr lang="en-US" dirty="0"/>
-              <a:t>can be defined recursively</a:t>
+              <a:t>Common starting point (.NET core, Ubuntu, database)</a:t>
             </a:r>
           </a:p>
           <a:p>
             <a:pPr lvl="1"/>
             <a:r>
               <a:rPr lang="en-US" dirty="0"/>
-              <a:t>is sent to Docker daemon </a:t>
-            </a:r>
-            <a:r>
-              <a:rPr lang="en-US" sz="2000" i="1" dirty="0"/>
-              <a:t>“Sending build context to Docker daemon  35.33kB”</a:t>
-            </a:r>
-          </a:p>
-          <a:p>
-            <a:r>
-              <a:rPr lang="en-US" dirty="0"/>
-              <a:t>.</a:t>
-            </a:r>
-            <a:r>
-              <a:rPr lang="en-US" dirty="0" err="1"/>
-              <a:t>dockerignore</a:t>
-            </a:r>
-            <a:r>
-              <a:rPr lang="en-US" dirty="0"/>
-              <a:t> file excludes files that are not relevant for build</a:t>
+              <a:t>FROM is always first instruction</a:t>
+            </a:r>
+          </a:p>
+          <a:p>
+            <a:r>
+              <a:rPr lang="en-US" dirty="0"/>
+              <a:t>Base image</a:t>
             </a:r>
           </a:p>
           <a:p>
             <a:pPr lvl="1"/>
             <a:r>
               <a:rPr lang="en-US" dirty="0"/>
-              <a:t>similar syntax as .</a:t>
-            </a:r>
-            <a:r>
-              <a:rPr lang="en-US" dirty="0" err="1"/>
-              <a:t>gitignore</a:t>
-            </a:r>
+              <a:t>scratch (minimal image)</a:t>
+            </a:r>
+          </a:p>
+          <a:p>
+            <a:pPr lvl="1"/>
+            <a:r>
+              <a:rPr lang="en-US" dirty="0"/>
+              <a:t>no FROM or FROM scratch</a:t>
+            </a:r>
+          </a:p>
+          <a:p>
+            <a:r>
+              <a:rPr lang="en-US" dirty="0"/>
+              <a:t>Build context</a:t>
+            </a:r>
+          </a:p>
+          <a:p>
             <a:endParaRPr lang="en-US" dirty="0"/>
           </a:p>
         </p:txBody>
@@ -3557,7 +3548,7 @@
     </p:spTree>
     <p:extLst>
       <p:ext uri="{BB962C8B-B14F-4D97-AF65-F5344CB8AC3E}">
-        <p14:creationId xmlns:p14="http://schemas.microsoft.com/office/powerpoint/2010/main" val="1402545555"/>
+        <p14:creationId xmlns:p14="http://schemas.microsoft.com/office/powerpoint/2010/main" val="956415270"/>
       </p:ext>
     </p:extLst>
   </p:cSld>
@@ -3607,8 +3598,13 @@
           <a:p>
             <a:r>
               <a:rPr lang="en-US" dirty="0"/>
-              <a:t>docker-compose</a:t>
-            </a:r>
+              <a:t>.</a:t>
+            </a:r>
+            <a:r>
+              <a:rPr lang="en-US" dirty="0" err="1"/>
+              <a:t>dockerignore</a:t>
+            </a:r>
+            <a:endParaRPr lang="en-US" dirty="0"/>
           </a:p>
         </p:txBody>
       </p:sp>
@@ -3635,39 +3631,70 @@
           <a:p>
             <a:r>
               <a:rPr lang="en-US" dirty="0"/>
-              <a:t>tool for defining and running multi-container Docker applications</a:t>
-            </a:r>
-          </a:p>
-          <a:p>
+              <a:t>build context</a:t>
+            </a:r>
+          </a:p>
+          <a:p>
+            <a:pPr lvl="1"/>
             <a:r>
               <a:rPr lang="en-US" dirty="0" err="1"/>
-              <a:t>yaml</a:t>
-            </a:r>
-            <a:r>
-              <a:rPr lang="en-US" dirty="0"/>
-              <a:t> configuration</a:t>
+              <a:t>Dockerfile</a:t>
+            </a:r>
+            <a:r>
+              <a:rPr lang="en-US" dirty="0"/>
+              <a:t> is part of it</a:t>
             </a:r>
           </a:p>
           <a:p>
             <a:pPr lvl="1"/>
             <a:r>
               <a:rPr lang="en-US" dirty="0"/>
-              <a:t>list of services</a:t>
+              <a:t>can be defined recursively</a:t>
             </a:r>
           </a:p>
           <a:p>
             <a:pPr lvl="1"/>
             <a:r>
               <a:rPr lang="en-US" dirty="0"/>
-              <a:t>configuration how to build images for these services (can contain path to service docker file)</a:t>
-            </a:r>
+              <a:t>is sent to Docker daemon </a:t>
+            </a:r>
+            <a:r>
+              <a:rPr lang="en-US" sz="2000" i="1" dirty="0"/>
+              <a:t>“Sending build context to Docker daemon  35.33kB”</a:t>
+            </a:r>
+          </a:p>
+          <a:p>
+            <a:r>
+              <a:rPr lang="en-US" dirty="0"/>
+              <a:t>.</a:t>
+            </a:r>
+            <a:r>
+              <a:rPr lang="en-US" dirty="0" err="1"/>
+              <a:t>dockerignore</a:t>
+            </a:r>
+            <a:r>
+              <a:rPr lang="en-US" dirty="0"/>
+              <a:t> file excludes files that are not relevant for build</a:t>
+            </a:r>
+          </a:p>
+          <a:p>
+            <a:pPr lvl="1"/>
+            <a:r>
+              <a:rPr lang="en-US" dirty="0"/>
+              <a:t>similar syntax as .</a:t>
+            </a:r>
+            <a:r>
+              <a:rPr lang="en-US" dirty="0" err="1"/>
+              <a:t>gitignore</a:t>
+            </a:r>
+            <a:endParaRPr lang="en-US" dirty="0"/>
           </a:p>
         </p:txBody>
       </p:sp>
     </p:spTree>
     <p:extLst>
       <p:ext uri="{BB962C8B-B14F-4D97-AF65-F5344CB8AC3E}">
-        <p14:creationId xmlns:p14="http://schemas.microsoft.com/office/powerpoint/2010/main" val="3540793809"/>
+        <p14:creationId xmlns:p14="http://schemas.microsoft.com/office/powerpoint/2010/main" val="1402545555"/>
       </p:ext>
     </p:extLst>
   </p:cSld>
@@ -3699,6 +3726,116 @@
           <p:cNvPr id="2" name="Title 1">
             <a:extLst>
               <a:ext uri="{FF2B5EF4-FFF2-40B4-BE49-F238E27FC236}">
+                <a16:creationId xmlns:a16="http://schemas.microsoft.com/office/drawing/2014/main" id="{BB21D77D-4C3A-4B66-84CE-9B062D14A330}"/>
+              </a:ext>
+            </a:extLst>
+          </p:cNvPr>
+          <p:cNvSpPr>
+            <a:spLocks noGrp="1"/>
+          </p:cNvSpPr>
+          <p:nvPr>
+            <p:ph type="title"/>
+          </p:nvPr>
+        </p:nvSpPr>
+        <p:spPr/>
+        <p:txBody>
+          <a:bodyPr/>
+          <a:lstStyle/>
+          <a:p>
+            <a:r>
+              <a:rPr lang="en-US" dirty="0"/>
+              <a:t>docker-compose</a:t>
+            </a:r>
+          </a:p>
+        </p:txBody>
+      </p:sp>
+      <p:sp>
+        <p:nvSpPr>
+          <p:cNvPr id="3" name="Content Placeholder 2">
+            <a:extLst>
+              <a:ext uri="{FF2B5EF4-FFF2-40B4-BE49-F238E27FC236}">
+                <a16:creationId xmlns:a16="http://schemas.microsoft.com/office/drawing/2014/main" id="{E533342D-28AE-48F1-92F9-DB97BE6F87FE}"/>
+              </a:ext>
+            </a:extLst>
+          </p:cNvPr>
+          <p:cNvSpPr>
+            <a:spLocks noGrp="1"/>
+          </p:cNvSpPr>
+          <p:nvPr>
+            <p:ph idx="1"/>
+          </p:nvPr>
+        </p:nvSpPr>
+        <p:spPr/>
+        <p:txBody>
+          <a:bodyPr/>
+          <a:lstStyle/>
+          <a:p>
+            <a:r>
+              <a:rPr lang="en-US" dirty="0"/>
+              <a:t>tool for defining and running multi-container Docker applications</a:t>
+            </a:r>
+          </a:p>
+          <a:p>
+            <a:r>
+              <a:rPr lang="en-US" dirty="0" err="1"/>
+              <a:t>yaml</a:t>
+            </a:r>
+            <a:r>
+              <a:rPr lang="en-US" dirty="0"/>
+              <a:t> configuration</a:t>
+            </a:r>
+          </a:p>
+          <a:p>
+            <a:pPr lvl="1"/>
+            <a:r>
+              <a:rPr lang="en-US" dirty="0"/>
+              <a:t>list of services</a:t>
+            </a:r>
+          </a:p>
+          <a:p>
+            <a:pPr lvl="1"/>
+            <a:r>
+              <a:rPr lang="en-US" dirty="0"/>
+              <a:t>configuration how to build images for these services (can contain path to service docker file)</a:t>
+            </a:r>
+          </a:p>
+        </p:txBody>
+      </p:sp>
+    </p:spTree>
+    <p:extLst>
+      <p:ext uri="{BB962C8B-B14F-4D97-AF65-F5344CB8AC3E}">
+        <p14:creationId xmlns:p14="http://schemas.microsoft.com/office/powerpoint/2010/main" val="3540793809"/>
+      </p:ext>
+    </p:extLst>
+  </p:cSld>
+  <p:clrMapOvr>
+    <a:masterClrMapping/>
+  </p:clrMapOvr>
+</p:sld>
+</file>
+
+<file path=ppt/slides/slide13.xml><?xml version="1.0" encoding="utf-8"?>
+<p:sld xmlns:a="http://schemas.openxmlformats.org/drawingml/2006/main" xmlns:r="http://schemas.openxmlformats.org/officeDocument/2006/relationships" xmlns:p="http://schemas.openxmlformats.org/presentationml/2006/main">
+  <p:cSld>
+    <p:spTree>
+      <p:nvGrpSpPr>
+        <p:cNvPr id="1" name=""/>
+        <p:cNvGrpSpPr/>
+        <p:nvPr/>
+      </p:nvGrpSpPr>
+      <p:grpSpPr>
+        <a:xfrm>
+          <a:off x="0" y="0"/>
+          <a:ext cx="0" cy="0"/>
+          <a:chOff x="0" y="0"/>
+          <a:chExt cx="0" cy="0"/>
+        </a:xfrm>
+      </p:grpSpPr>
+      <p:sp>
+        <p:nvSpPr>
+          <p:cNvPr id="2" name="Title 1">
+            <a:extLst>
+              <a:ext uri="{FF2B5EF4-FFF2-40B4-BE49-F238E27FC236}">
                 <a16:creationId xmlns:a16="http://schemas.microsoft.com/office/drawing/2014/main" id="{464CA198-CBF7-407B-B8A2-CA003AD7CB41}"/>
               </a:ext>
             </a:extLst>
@@ -3846,7 +3983,7 @@
 </p:sld>
 </file>
 
-<file path=ppt/slides/slide13.xml><?xml version="1.0" encoding="utf-8"?>
+<file path=ppt/slides/slide14.xml><?xml version="1.0" encoding="utf-8"?>
 <p:sld xmlns:a="http://schemas.openxmlformats.org/drawingml/2006/main" xmlns:r="http://schemas.openxmlformats.org/officeDocument/2006/relationships" xmlns:p="http://schemas.openxmlformats.org/presentationml/2006/main">
   <p:cSld>
     <p:spTree>
@@ -4037,230 +4174,6 @@
 </p:sld>
 </file>
 
-<file path=ppt/slides/slide14.xml><?xml version="1.0" encoding="utf-8"?>
-<p:sld xmlns:a="http://schemas.openxmlformats.org/drawingml/2006/main" xmlns:r="http://schemas.openxmlformats.org/officeDocument/2006/relationships" xmlns:p="http://schemas.openxmlformats.org/presentationml/2006/main">
-  <p:cSld>
-    <p:spTree>
-      <p:nvGrpSpPr>
-        <p:cNvPr id="1" name=""/>
-        <p:cNvGrpSpPr/>
-        <p:nvPr/>
-      </p:nvGrpSpPr>
-      <p:grpSpPr>
-        <a:xfrm>
-          <a:off x="0" y="0"/>
-          <a:ext cx="0" cy="0"/>
-          <a:chOff x="0" y="0"/>
-          <a:chExt cx="0" cy="0"/>
-        </a:xfrm>
-      </p:grpSpPr>
-      <p:sp>
-        <p:nvSpPr>
-          <p:cNvPr id="2" name="Title 1">
-            <a:extLst>
-              <a:ext uri="{FF2B5EF4-FFF2-40B4-BE49-F238E27FC236}">
-                <a16:creationId xmlns:a16="http://schemas.microsoft.com/office/drawing/2014/main" id="{4DA00555-4385-4FB6-AFB7-64E8E37A98D3}"/>
-              </a:ext>
-            </a:extLst>
-          </p:cNvPr>
-          <p:cNvSpPr>
-            <a:spLocks noGrp="1"/>
-          </p:cNvSpPr>
-          <p:nvPr>
-            <p:ph type="title"/>
-          </p:nvPr>
-        </p:nvSpPr>
-        <p:spPr/>
-        <p:txBody>
-          <a:bodyPr/>
-          <a:lstStyle/>
-          <a:p>
-            <a:r>
-              <a:rPr lang="en-US" dirty="0"/>
-              <a:t>Docker - storage drivers</a:t>
-            </a:r>
-          </a:p>
-        </p:txBody>
-      </p:sp>
-      <p:sp>
-        <p:nvSpPr>
-          <p:cNvPr id="3" name="Content Placeholder 2">
-            <a:extLst>
-              <a:ext uri="{FF2B5EF4-FFF2-40B4-BE49-F238E27FC236}">
-                <a16:creationId xmlns:a16="http://schemas.microsoft.com/office/drawing/2014/main" id="{59D54D27-EC9C-4D9B-9467-EB646BB762F2}"/>
-              </a:ext>
-            </a:extLst>
-          </p:cNvPr>
-          <p:cNvSpPr>
-            <a:spLocks noGrp="1"/>
-          </p:cNvSpPr>
-          <p:nvPr>
-            <p:ph idx="1"/>
-          </p:nvPr>
-        </p:nvSpPr>
-        <p:spPr/>
-        <p:txBody>
-          <a:bodyPr>
-            <a:normAutofit/>
-          </a:bodyPr>
-          <a:lstStyle/>
-          <a:p>
-            <a:r>
-              <a:rPr lang="en-US" dirty="0"/>
-              <a:t>Control how images and containers are stored and managed</a:t>
-            </a:r>
-          </a:p>
-          <a:p>
-            <a:r>
-              <a:rPr lang="en-US" dirty="0"/>
-              <a:t>More than one is supported</a:t>
-            </a:r>
-          </a:p>
-          <a:p>
-            <a:r>
-              <a:rPr lang="en-US" dirty="0"/>
-              <a:t>overlay 2 , </a:t>
-            </a:r>
-            <a:r>
-              <a:rPr lang="en-US" dirty="0" err="1"/>
-              <a:t>aufs</a:t>
-            </a:r>
-            <a:r>
-              <a:rPr lang="en-US" dirty="0"/>
-              <a:t>, </a:t>
-            </a:r>
-            <a:r>
-              <a:rPr lang="en-US" dirty="0" err="1"/>
-              <a:t>devicemapper</a:t>
-            </a:r>
-            <a:r>
-              <a:rPr lang="en-US" dirty="0"/>
-              <a:t>, </a:t>
-            </a:r>
-            <a:r>
-              <a:rPr lang="en-US" dirty="0" err="1"/>
-              <a:t>vfs</a:t>
-            </a:r>
-            <a:r>
-              <a:rPr lang="en-US" dirty="0"/>
-              <a:t>, </a:t>
-            </a:r>
-            <a:r>
-              <a:rPr lang="en-US" dirty="0" err="1"/>
-              <a:t>zfs</a:t>
-            </a:r>
-            <a:r>
-              <a:rPr lang="en-US" dirty="0"/>
-              <a:t>, </a:t>
-            </a:r>
-            <a:r>
-              <a:rPr lang="en-US" dirty="0" err="1"/>
-              <a:t>brtfs</a:t>
-            </a:r>
-            <a:r>
-              <a:rPr lang="en-US" dirty="0"/>
-              <a:t> …</a:t>
-            </a:r>
-          </a:p>
-          <a:p>
-            <a:pPr lvl="1"/>
-            <a:r>
-              <a:rPr lang="en-US" dirty="0"/>
-              <a:t>Priority list – depend also on </a:t>
-            </a:r>
-            <a:r>
-              <a:rPr lang="en-US" dirty="0" err="1"/>
-              <a:t>linux</a:t>
-            </a:r>
-            <a:r>
-              <a:rPr lang="en-US" dirty="0"/>
-              <a:t> distribution (Ubuntu vs. Fedora)</a:t>
-            </a:r>
-          </a:p>
-          <a:p>
-            <a:pPr lvl="1"/>
-            <a:r>
-              <a:rPr lang="en-US" dirty="0"/>
-              <a:t>Can be modified (except for Windows and Mac)</a:t>
-            </a:r>
-          </a:p>
-          <a:p>
-            <a:pPr lvl="1"/>
-            <a:r>
-              <a:rPr lang="en-US" dirty="0"/>
-              <a:t>File level (</a:t>
-            </a:r>
-            <a:r>
-              <a:rPr lang="en-US" dirty="0" err="1"/>
-              <a:t>aufs</a:t>
-            </a:r>
-            <a:r>
-              <a:rPr lang="en-US" dirty="0"/>
-              <a:t>, overlay 2, …) vs. Block level (</a:t>
-            </a:r>
-            <a:r>
-              <a:rPr lang="en-US" dirty="0" err="1"/>
-              <a:t>brtfs</a:t>
-            </a:r>
-            <a:r>
-              <a:rPr lang="en-US" dirty="0"/>
-              <a:t>, </a:t>
-            </a:r>
-            <a:r>
-              <a:rPr lang="en-US" dirty="0" err="1"/>
-              <a:t>zfs</a:t>
-            </a:r>
-            <a:r>
-              <a:rPr lang="en-US" dirty="0"/>
-              <a:t>, …)</a:t>
-            </a:r>
-          </a:p>
-          <a:p>
-            <a:pPr lvl="1"/>
-            <a:endParaRPr lang="en-US" dirty="0"/>
-          </a:p>
-          <a:p>
-            <a:pPr marL="0" indent="0">
-              <a:buNone/>
-            </a:pPr>
-            <a:endParaRPr lang="en-US" dirty="0"/>
-          </a:p>
-          <a:p>
-            <a:pPr marL="0" indent="0">
-              <a:buNone/>
-            </a:pPr>
-            <a:r>
-              <a:rPr lang="en-US" dirty="0"/>
-              <a:t>What happens when you change storage drive?</a:t>
-            </a:r>
-          </a:p>
-          <a:p>
-            <a:pPr marL="457200" lvl="1" indent="0">
-              <a:buNone/>
-            </a:pPr>
-            <a:endParaRPr lang="en-US" dirty="0"/>
-          </a:p>
-          <a:p>
-            <a:pPr marL="457200" lvl="1" indent="0">
-              <a:buNone/>
-            </a:pPr>
-            <a:endParaRPr lang="en-US" dirty="0"/>
-          </a:p>
-        </p:txBody>
-      </p:sp>
-    </p:spTree>
-    <p:extLst>
-      <p:ext uri="{BB962C8B-B14F-4D97-AF65-F5344CB8AC3E}">
-        <p14:creationId xmlns:p14="http://schemas.microsoft.com/office/powerpoint/2010/main" val="1018560530"/>
-      </p:ext>
-    </p:extLst>
-  </p:cSld>
-  <p:clrMapOvr>
-    <a:masterClrMapping/>
-  </p:clrMapOvr>
-</p:sld>
-</file>
-
 <file path=ppt/slides/slide15.xml><?xml version="1.0" encoding="utf-8"?>
 <p:sld xmlns:a="http://schemas.openxmlformats.org/drawingml/2006/main" xmlns:r="http://schemas.openxmlformats.org/officeDocument/2006/relationships" xmlns:p="http://schemas.openxmlformats.org/presentationml/2006/main">
   <p:cSld>
@@ -4283,7 +4196,7 @@
           <p:cNvPr id="2" name="Title 1">
             <a:extLst>
               <a:ext uri="{FF2B5EF4-FFF2-40B4-BE49-F238E27FC236}">
-                <a16:creationId xmlns:a16="http://schemas.microsoft.com/office/drawing/2014/main" id="{55FC709F-AA0C-4631-9258-FE9EBED3D402}"/>
+                <a16:creationId xmlns:a16="http://schemas.microsoft.com/office/drawing/2014/main" id="{4DA00555-4385-4FB6-AFB7-64E8E37A98D3}"/>
               </a:ext>
             </a:extLst>
           </p:cNvPr>
@@ -4301,7 +4214,7 @@
           <a:p>
             <a:r>
               <a:rPr lang="en-US" dirty="0"/>
-              <a:t>Docker – application data</a:t>
+              <a:t>Docker - storage drivers</a:t>
             </a:r>
           </a:p>
         </p:txBody>
@@ -4311,7 +4224,7 @@
           <p:cNvPr id="3" name="Content Placeholder 2">
             <a:extLst>
               <a:ext uri="{FF2B5EF4-FFF2-40B4-BE49-F238E27FC236}">
-                <a16:creationId xmlns:a16="http://schemas.microsoft.com/office/drawing/2014/main" id="{3222C25C-A151-4E2F-9DAD-C0964E88C089}"/>
+                <a16:creationId xmlns:a16="http://schemas.microsoft.com/office/drawing/2014/main" id="{59D54D27-EC9C-4D9B-9467-EB646BB762F2}"/>
               </a:ext>
             </a:extLst>
           </p:cNvPr>
@@ -4331,73 +4244,151 @@
           <a:p>
             <a:r>
               <a:rPr lang="en-US" dirty="0"/>
-              <a:t>Volumes</a:t>
+              <a:t>Control how images and containers are stored and managed</a:t>
+            </a:r>
+          </a:p>
+          <a:p>
+            <a:r>
+              <a:rPr lang="en-US" dirty="0"/>
+              <a:t>More than one is supported</a:t>
+            </a:r>
+          </a:p>
+          <a:p>
+            <a:r>
+              <a:rPr lang="en-US" dirty="0"/>
+              <a:t>overlay 2 , </a:t>
+            </a:r>
+            <a:r>
+              <a:rPr lang="en-US" dirty="0" err="1"/>
+              <a:t>aufs</a:t>
+            </a:r>
+            <a:r>
+              <a:rPr lang="en-US" dirty="0"/>
+              <a:t>, </a:t>
+            </a:r>
+            <a:r>
+              <a:rPr lang="en-US" dirty="0" err="1"/>
+              <a:t>devicemapper</a:t>
+            </a:r>
+            <a:r>
+              <a:rPr lang="en-US" dirty="0"/>
+              <a:t>, </a:t>
+            </a:r>
+            <a:r>
+              <a:rPr lang="en-US" dirty="0" err="1"/>
+              <a:t>vfs</a:t>
+            </a:r>
+            <a:r>
+              <a:rPr lang="en-US" dirty="0"/>
+              <a:t>, </a:t>
+            </a:r>
+            <a:r>
+              <a:rPr lang="en-US" dirty="0" err="1"/>
+              <a:t>zfs</a:t>
+            </a:r>
+            <a:r>
+              <a:rPr lang="en-US" dirty="0"/>
+              <a:t>, </a:t>
+            </a:r>
+            <a:r>
+              <a:rPr lang="en-US" dirty="0" err="1"/>
+              <a:t>brtfs</a:t>
+            </a:r>
+            <a:r>
+              <a:rPr lang="en-US" dirty="0"/>
+              <a:t> …</a:t>
             </a:r>
           </a:p>
           <a:p>
             <a:pPr lvl="1"/>
             <a:r>
               <a:rPr lang="en-US" dirty="0"/>
-              <a:t>file/directory on host machine is mounted into a container</a:t>
+              <a:t>Priority list – depend also on </a:t>
+            </a:r>
+            <a:r>
+              <a:rPr lang="en-US" dirty="0" err="1"/>
+              <a:t>linux</a:t>
+            </a:r>
+            <a:r>
+              <a:rPr lang="en-US" dirty="0"/>
+              <a:t> distribution (Ubuntu vs. Fedora)</a:t>
             </a:r>
           </a:p>
           <a:p>
             <a:pPr lvl="1"/>
             <a:r>
               <a:rPr lang="en-US" dirty="0"/>
-              <a:t>best choice for data storing</a:t>
-            </a:r>
-          </a:p>
-          <a:p>
-            <a:r>
-              <a:rPr lang="en-US" dirty="0"/>
-              <a:t>Bind mounts</a:t>
+              <a:t>Can be modified (except for Windows and Mac)</a:t>
             </a:r>
           </a:p>
           <a:p>
             <a:pPr lvl="1"/>
             <a:r>
               <a:rPr lang="en-US" dirty="0"/>
-              <a:t>file/directory on host machine is mounted into a container</a:t>
+              <a:t>File level (</a:t>
+            </a:r>
+            <a:r>
+              <a:rPr lang="en-US" dirty="0" err="1"/>
+              <a:t>aufs</a:t>
+            </a:r>
+            <a:r>
+              <a:rPr lang="en-US" dirty="0"/>
+              <a:t>, overlay 2, …) vs. Block level (</a:t>
+            </a:r>
+            <a:r>
+              <a:rPr lang="en-US" dirty="0" err="1"/>
+              <a:t>brtfs</a:t>
+            </a:r>
+            <a:r>
+              <a:rPr lang="en-US" dirty="0"/>
+              <a:t>, </a:t>
+            </a:r>
+            <a:r>
+              <a:rPr lang="en-US" dirty="0" err="1"/>
+              <a:t>zfs</a:t>
+            </a:r>
+            <a:r>
+              <a:rPr lang="en-US" dirty="0"/>
+              <a:t>, …)</a:t>
             </a:r>
           </a:p>
           <a:p>
             <a:pPr lvl="1"/>
-            <a:r>
-              <a:rPr lang="en-US" dirty="0"/>
-              <a:t>Docker CLI cannot be used to manage bind-mounts</a:t>
-            </a:r>
-          </a:p>
-          <a:p>
-            <a:r>
-              <a:rPr lang="en-US" dirty="0" err="1"/>
-              <a:t>tmpfs</a:t>
-            </a:r>
-            <a:r>
-              <a:rPr lang="en-US" dirty="0"/>
-              <a:t> mounts</a:t>
-            </a:r>
-          </a:p>
-          <a:p>
-            <a:pPr lvl="1"/>
-            <a:r>
-              <a:rPr lang="en-US" dirty="0"/>
-              <a:t>stored in memory/swap (nor container R/W layer, nor host filesystem)</a:t>
-            </a:r>
-          </a:p>
-          <a:p>
-            <a:pPr lvl="1"/>
-            <a:r>
-              <a:rPr lang="en-US" dirty="0"/>
-              <a:t>cleared when container is stopped</a:t>
-            </a:r>
+            <a:endParaRPr lang="en-US" dirty="0"/>
+          </a:p>
+          <a:p>
+            <a:pPr marL="0" indent="0">
+              <a:buNone/>
+            </a:pPr>
+            <a:endParaRPr lang="en-US" dirty="0"/>
+          </a:p>
+          <a:p>
+            <a:pPr marL="0" indent="0">
+              <a:buNone/>
+            </a:pPr>
+            <a:r>
+              <a:rPr lang="en-US" dirty="0"/>
+              <a:t>What happens when you change storage drive?</a:t>
+            </a:r>
+          </a:p>
+          <a:p>
+            <a:pPr marL="457200" lvl="1" indent="0">
+              <a:buNone/>
+            </a:pPr>
+            <a:endParaRPr lang="en-US" dirty="0"/>
+          </a:p>
+          <a:p>
+            <a:pPr marL="457200" lvl="1" indent="0">
+              <a:buNone/>
+            </a:pPr>
+            <a:endParaRPr lang="en-US" dirty="0"/>
           </a:p>
         </p:txBody>
       </p:sp>
     </p:spTree>
     <p:extLst>
       <p:ext uri="{BB962C8B-B14F-4D97-AF65-F5344CB8AC3E}">
-        <p14:creationId xmlns:p14="http://schemas.microsoft.com/office/powerpoint/2010/main" val="3692977509"/>
+        <p14:creationId xmlns:p14="http://schemas.microsoft.com/office/powerpoint/2010/main" val="1018560530"/>
       </p:ext>
     </p:extLst>
   </p:cSld>
@@ -4429,7 +4420,7 @@
           <p:cNvPr id="2" name="Title 1">
             <a:extLst>
               <a:ext uri="{FF2B5EF4-FFF2-40B4-BE49-F238E27FC236}">
-                <a16:creationId xmlns:a16="http://schemas.microsoft.com/office/drawing/2014/main" id="{08578D90-C595-4221-9910-97011CA30B58}"/>
+                <a16:creationId xmlns:a16="http://schemas.microsoft.com/office/drawing/2014/main" id="{55FC709F-AA0C-4631-9258-FE9EBED3D402}"/>
               </a:ext>
             </a:extLst>
           </p:cNvPr>
@@ -4447,7 +4438,7 @@
           <a:p>
             <a:r>
               <a:rPr lang="en-US" dirty="0"/>
-              <a:t>Docker volumes</a:t>
+              <a:t>Docker – application data</a:t>
             </a:r>
           </a:p>
         </p:txBody>
@@ -4457,7 +4448,7 @@
           <p:cNvPr id="3" name="Content Placeholder 2">
             <a:extLst>
               <a:ext uri="{FF2B5EF4-FFF2-40B4-BE49-F238E27FC236}">
-                <a16:creationId xmlns:a16="http://schemas.microsoft.com/office/drawing/2014/main" id="{8F18DF23-793A-4C4C-93ED-F1508EF16A24}"/>
+                <a16:creationId xmlns:a16="http://schemas.microsoft.com/office/drawing/2014/main" id="{3222C25C-A151-4E2F-9DAD-C0964E88C089}"/>
               </a:ext>
             </a:extLst>
           </p:cNvPr>
@@ -4477,66 +4468,65 @@
           <a:p>
             <a:r>
               <a:rPr lang="en-US" dirty="0"/>
-              <a:t>Recommended storage for writing data</a:t>
-            </a:r>
-          </a:p>
-          <a:p>
-            <a:r>
-              <a:rPr lang="en-US" dirty="0"/>
-              <a:t>/</a:t>
-            </a:r>
+              <a:t>Volumes</a:t>
+            </a:r>
+          </a:p>
+          <a:p>
+            <a:pPr lvl="1"/>
+            <a:r>
+              <a:rPr lang="en-US" dirty="0"/>
+              <a:t>file/directory on host machine is mounted into a container</a:t>
+            </a:r>
+          </a:p>
+          <a:p>
+            <a:pPr lvl="1"/>
+            <a:r>
+              <a:rPr lang="en-US" dirty="0"/>
+              <a:t>best choice for data storing</a:t>
+            </a:r>
+          </a:p>
+          <a:p>
+            <a:r>
+              <a:rPr lang="en-US" dirty="0"/>
+              <a:t>Bind mounts</a:t>
+            </a:r>
+          </a:p>
+          <a:p>
+            <a:pPr lvl="1"/>
+            <a:r>
+              <a:rPr lang="en-US" dirty="0"/>
+              <a:t>file/directory on host machine is mounted into a container</a:t>
+            </a:r>
+          </a:p>
+          <a:p>
+            <a:pPr lvl="1"/>
+            <a:r>
+              <a:rPr lang="en-US" dirty="0"/>
+              <a:t>Docker CLI cannot be used to manage bind-mounts</a:t>
+            </a:r>
+          </a:p>
+          <a:p>
             <a:r>
               <a:rPr lang="en-US" dirty="0" err="1"/>
-              <a:t>var</a:t>
-            </a:r>
-            <a:r>
-              <a:rPr lang="en-US" dirty="0"/>
-              <a:t>/lib/docker/volumes/</a:t>
-            </a:r>
-          </a:p>
-          <a:p>
-            <a:r>
-              <a:rPr lang="en-US" dirty="0"/>
-              <a:t>Persistent</a:t>
-            </a:r>
-          </a:p>
-          <a:p>
-            <a:r>
-              <a:rPr lang="en-US" dirty="0"/>
-              <a:t>Shared between containers</a:t>
-            </a:r>
-          </a:p>
-          <a:p>
-            <a:r>
-              <a:rPr lang="en-US" dirty="0"/>
-              <a:t>Management through Docker CLI</a:t>
-            </a:r>
-          </a:p>
-          <a:p>
-            <a:r>
-              <a:rPr lang="en-US" dirty="0"/>
-              <a:t>Usages</a:t>
+              <a:t>tmpfs</a:t>
+            </a:r>
+            <a:r>
+              <a:rPr lang="en-US" dirty="0"/>
+              <a:t> mounts</a:t>
             </a:r>
           </a:p>
           <a:p>
             <a:pPr lvl="1"/>
             <a:r>
               <a:rPr lang="en-US" dirty="0"/>
-              <a:t>environment variables</a:t>
+              <a:t>stored in memory/swap (nor container R/W layer, nor host filesystem)</a:t>
             </a:r>
           </a:p>
           <a:p>
             <a:pPr lvl="1"/>
             <a:r>
               <a:rPr lang="en-US" dirty="0"/>
-              <a:t>database</a:t>
-            </a:r>
-          </a:p>
-          <a:p>
-            <a:pPr lvl="1"/>
-            <a:r>
-              <a:rPr lang="en-US" dirty="0"/>
-              <a:t>…</a:t>
+              <a:t>cleared when container is stopped</a:t>
             </a:r>
           </a:p>
         </p:txBody>
@@ -4544,7 +4534,7 @@
     </p:spTree>
     <p:extLst>
       <p:ext uri="{BB962C8B-B14F-4D97-AF65-F5344CB8AC3E}">
-        <p14:creationId xmlns:p14="http://schemas.microsoft.com/office/powerpoint/2010/main" val="2745753165"/>
+        <p14:creationId xmlns:p14="http://schemas.microsoft.com/office/powerpoint/2010/main" val="3692977509"/>
       </p:ext>
     </p:extLst>
   </p:cSld>
@@ -4576,7 +4566,7 @@
           <p:cNvPr id="2" name="Title 1">
             <a:extLst>
               <a:ext uri="{FF2B5EF4-FFF2-40B4-BE49-F238E27FC236}">
-                <a16:creationId xmlns:a16="http://schemas.microsoft.com/office/drawing/2014/main" id="{464CA198-CBF7-407B-B8A2-CA003AD7CB41}"/>
+                <a16:creationId xmlns:a16="http://schemas.microsoft.com/office/drawing/2014/main" id="{08578D90-C595-4221-9910-97011CA30B58}"/>
               </a:ext>
             </a:extLst>
           </p:cNvPr>
@@ -4592,7 +4582,10 @@
           <a:bodyPr/>
           <a:lstStyle/>
           <a:p>
-            <a:endParaRPr lang="en-US" dirty="0"/>
+            <a:r>
+              <a:rPr lang="en-US" dirty="0"/>
+              <a:t>Docker volumes</a:t>
+            </a:r>
           </a:p>
         </p:txBody>
       </p:sp>
@@ -4601,7 +4594,7 @@
           <p:cNvPr id="3" name="Content Placeholder 2">
             <a:extLst>
               <a:ext uri="{FF2B5EF4-FFF2-40B4-BE49-F238E27FC236}">
-                <a16:creationId xmlns:a16="http://schemas.microsoft.com/office/drawing/2014/main" id="{C5FB6573-8C73-44D7-B5E6-65EBAF34FD85}"/>
+                <a16:creationId xmlns:a16="http://schemas.microsoft.com/office/drawing/2014/main" id="{8F18DF23-793A-4C4C-93ED-F1508EF16A24}"/>
               </a:ext>
             </a:extLst>
           </p:cNvPr>
@@ -4614,130 +4607,73 @@
         </p:nvSpPr>
         <p:spPr/>
         <p:txBody>
-          <a:bodyPr/>
-          <a:lstStyle/>
-          <a:p>
-            <a:pPr marL="0" indent="0">
-              <a:buNone/>
-            </a:pPr>
-            <a:endParaRPr lang="en-US" dirty="0"/>
-          </a:p>
-          <a:p>
-            <a:pPr marL="0" indent="0">
-              <a:buNone/>
-            </a:pPr>
-            <a:endParaRPr lang="en-US" dirty="0"/>
-          </a:p>
-          <a:p>
-            <a:pPr marL="0" indent="0">
-              <a:buNone/>
-            </a:pPr>
-            <a:endParaRPr lang="en-US" dirty="0"/>
-          </a:p>
-          <a:p>
-            <a:pPr marL="0" indent="0" algn="ctr">
-              <a:buNone/>
-            </a:pPr>
-            <a:r>
-              <a:rPr lang="en-US" sz="4800" dirty="0"/>
-              <a:t>MariaDB example</a:t>
-            </a:r>
-          </a:p>
-        </p:txBody>
-      </p:sp>
-      <p:sp>
-        <p:nvSpPr>
-          <p:cNvPr id="4" name="TextBox 3">
-            <a:extLst>
-              <a:ext uri="{FF2B5EF4-FFF2-40B4-BE49-F238E27FC236}">
-                <a16:creationId xmlns:a16="http://schemas.microsoft.com/office/drawing/2014/main" id="{83E2DF29-AB33-496B-BAE8-521C2E7569EF}"/>
-              </a:ext>
-            </a:extLst>
-          </p:cNvPr>
-          <p:cNvSpPr txBox="1"/>
-          <p:nvPr/>
-        </p:nvSpPr>
-        <p:spPr>
-          <a:xfrm>
-            <a:off x="0" y="5666384"/>
-            <a:ext cx="9118833" cy="1200329"/>
-          </a:xfrm>
-          <a:prstGeom prst="rect">
-            <a:avLst/>
-          </a:prstGeom>
-          <a:noFill/>
-        </p:spPr>
-        <p:txBody>
-          <a:bodyPr wrap="square" rtlCol="0">
-            <a:spAutoFit/>
+          <a:bodyPr>
+            <a:normAutofit/>
           </a:bodyPr>
           <a:lstStyle/>
           <a:p>
             <a:r>
-              <a:rPr lang="en-US" i="1" dirty="0">
-                <a:solidFill>
-                  <a:schemeClr val="accent2">
-                    <a:lumMod val="75000"/>
-                  </a:schemeClr>
-                </a:solidFill>
-              </a:rPr>
-              <a:t>docker volume</a:t>
-            </a:r>
-          </a:p>
-          <a:p>
-            <a:r>
-              <a:rPr lang="en-US" i="1" dirty="0">
-                <a:solidFill>
-                  <a:schemeClr val="accent2">
-                    <a:lumMod val="75000"/>
-                  </a:schemeClr>
-                </a:solidFill>
-              </a:rPr>
-              <a:t>docker inspect</a:t>
-            </a:r>
-          </a:p>
-          <a:p>
-            <a:r>
-              <a:rPr lang="en-US" i="1" dirty="0">
-                <a:solidFill>
-                  <a:schemeClr val="accent2">
-                    <a:lumMod val="75000"/>
-                  </a:schemeClr>
-                </a:solidFill>
-              </a:rPr>
-              <a:t>docker --mount source=</a:t>
-            </a:r>
-            <a:r>
-              <a:rPr lang="en-US" i="1" dirty="0" err="1">
-                <a:solidFill>
-                  <a:schemeClr val="accent2">
-                    <a:lumMod val="75000"/>
-                  </a:schemeClr>
-                </a:solidFill>
-              </a:rPr>
-              <a:t>volume_name,target</a:t>
-            </a:r>
-            <a:r>
-              <a:rPr lang="en-US" i="1" dirty="0">
-                <a:solidFill>
-                  <a:schemeClr val="accent2">
-                    <a:lumMod val="75000"/>
-                  </a:schemeClr>
-                </a:solidFill>
-              </a:rPr>
-              <a:t>=/path</a:t>
-            </a:r>
-          </a:p>
-          <a:p>
-            <a:r>
-              <a:rPr lang="en-US" i="1" dirty="0">
-                <a:solidFill>
-                  <a:schemeClr val="accent2">
-                    <a:lumMod val="75000"/>
-                  </a:schemeClr>
-                </a:solidFill>
-              </a:rPr>
-              <a:t>docker volume create</a:t>
+              <a:rPr lang="en-US" dirty="0"/>
+              <a:t>Recommended storage for writing data</a:t>
+            </a:r>
+          </a:p>
+          <a:p>
+            <a:r>
+              <a:rPr lang="en-US" dirty="0"/>
+              <a:t>/</a:t>
+            </a:r>
+            <a:r>
+              <a:rPr lang="en-US" dirty="0" err="1"/>
+              <a:t>var</a:t>
+            </a:r>
+            <a:r>
+              <a:rPr lang="en-US" dirty="0"/>
+              <a:t>/lib/docker/volumes/</a:t>
+            </a:r>
+          </a:p>
+          <a:p>
+            <a:r>
+              <a:rPr lang="en-US" dirty="0"/>
+              <a:t>Persistent</a:t>
+            </a:r>
+          </a:p>
+          <a:p>
+            <a:r>
+              <a:rPr lang="en-US" dirty="0"/>
+              <a:t>Shared between containers</a:t>
+            </a:r>
+          </a:p>
+          <a:p>
+            <a:r>
+              <a:rPr lang="en-US" dirty="0"/>
+              <a:t>Management through Docker CLI</a:t>
+            </a:r>
+          </a:p>
+          <a:p>
+            <a:r>
+              <a:rPr lang="en-US" dirty="0"/>
+              <a:t>Usages</a:t>
+            </a:r>
+          </a:p>
+          <a:p>
+            <a:pPr lvl="1"/>
+            <a:r>
+              <a:rPr lang="en-US" dirty="0"/>
+              <a:t>environment variables</a:t>
+            </a:r>
+          </a:p>
+          <a:p>
+            <a:pPr lvl="1"/>
+            <a:r>
+              <a:rPr lang="en-US" dirty="0"/>
+              <a:t>database</a:t>
+            </a:r>
+          </a:p>
+          <a:p>
+            <a:pPr lvl="1"/>
+            <a:r>
+              <a:rPr lang="en-US" dirty="0"/>
+              <a:t>…</a:t>
             </a:r>
           </a:p>
         </p:txBody>
@@ -4745,7 +4681,7 @@
     </p:spTree>
     <p:extLst>
       <p:ext uri="{BB962C8B-B14F-4D97-AF65-F5344CB8AC3E}">
-        <p14:creationId xmlns:p14="http://schemas.microsoft.com/office/powerpoint/2010/main" val="3335794604"/>
+        <p14:creationId xmlns:p14="http://schemas.microsoft.com/office/powerpoint/2010/main" val="2745753165"/>
       </p:ext>
     </p:extLst>
   </p:cSld>
@@ -4777,7 +4713,7 @@
           <p:cNvPr id="2" name="Title 1">
             <a:extLst>
               <a:ext uri="{FF2B5EF4-FFF2-40B4-BE49-F238E27FC236}">
-                <a16:creationId xmlns:a16="http://schemas.microsoft.com/office/drawing/2014/main" id="{08164F56-94C2-49D0-9A26-CBAFAF8A5F53}"/>
+                <a16:creationId xmlns:a16="http://schemas.microsoft.com/office/drawing/2014/main" id="{464CA198-CBF7-407B-B8A2-CA003AD7CB41}"/>
               </a:ext>
             </a:extLst>
           </p:cNvPr>
@@ -4793,10 +4729,7 @@
           <a:bodyPr/>
           <a:lstStyle/>
           <a:p>
-            <a:r>
-              <a:rPr lang="en-US" dirty="0"/>
-              <a:t>Docker - Networking</a:t>
-            </a:r>
+            <a:endParaRPr lang="en-US" dirty="0"/>
           </a:p>
         </p:txBody>
       </p:sp>
@@ -4805,7 +4738,7 @@
           <p:cNvPr id="3" name="Content Placeholder 2">
             <a:extLst>
               <a:ext uri="{FF2B5EF4-FFF2-40B4-BE49-F238E27FC236}">
-                <a16:creationId xmlns:a16="http://schemas.microsoft.com/office/drawing/2014/main" id="{53676A56-9A6B-458A-BBD3-A327BD173BC3}"/>
+                <a16:creationId xmlns:a16="http://schemas.microsoft.com/office/drawing/2014/main" id="{C5FB6573-8C73-44D7-B5E6-65EBAF34FD85}"/>
               </a:ext>
             </a:extLst>
           </p:cNvPr>
@@ -4818,74 +4751,138 @@
         </p:nvSpPr>
         <p:spPr/>
         <p:txBody>
-          <a:bodyPr>
-            <a:normAutofit/>
+          <a:bodyPr/>
+          <a:lstStyle/>
+          <a:p>
+            <a:pPr marL="0" indent="0">
+              <a:buNone/>
+            </a:pPr>
+            <a:endParaRPr lang="en-US" dirty="0"/>
+          </a:p>
+          <a:p>
+            <a:pPr marL="0" indent="0">
+              <a:buNone/>
+            </a:pPr>
+            <a:endParaRPr lang="en-US" dirty="0"/>
+          </a:p>
+          <a:p>
+            <a:pPr marL="0" indent="0">
+              <a:buNone/>
+            </a:pPr>
+            <a:endParaRPr lang="en-US" dirty="0"/>
+          </a:p>
+          <a:p>
+            <a:pPr marL="0" indent="0" algn="ctr">
+              <a:buNone/>
+            </a:pPr>
+            <a:r>
+              <a:rPr lang="en-US" sz="4800" dirty="0"/>
+              <a:t>MariaDB example</a:t>
+            </a:r>
+          </a:p>
+        </p:txBody>
+      </p:sp>
+      <p:sp>
+        <p:nvSpPr>
+          <p:cNvPr id="4" name="TextBox 3">
+            <a:extLst>
+              <a:ext uri="{FF2B5EF4-FFF2-40B4-BE49-F238E27FC236}">
+                <a16:creationId xmlns:a16="http://schemas.microsoft.com/office/drawing/2014/main" id="{83E2DF29-AB33-496B-BAE8-521C2E7569EF}"/>
+              </a:ext>
+            </a:extLst>
+          </p:cNvPr>
+          <p:cNvSpPr txBox="1"/>
+          <p:nvPr/>
+        </p:nvSpPr>
+        <p:spPr>
+          <a:xfrm>
+            <a:off x="0" y="5666384"/>
+            <a:ext cx="9118833" cy="1200329"/>
+          </a:xfrm>
+          <a:prstGeom prst="rect">
+            <a:avLst/>
+          </a:prstGeom>
+          <a:noFill/>
+        </p:spPr>
+        <p:txBody>
+          <a:bodyPr wrap="square" rtlCol="0">
+            <a:spAutoFit/>
           </a:bodyPr>
           <a:lstStyle/>
           <a:p>
             <a:r>
-              <a:rPr lang="en-US" dirty="0"/>
-              <a:t>Containers have their own IPs (not accessible from outside)</a:t>
-            </a:r>
-          </a:p>
-          <a:p>
-            <a:pPr lvl="1"/>
-            <a:r>
-              <a:rPr lang="en-US" dirty="0"/>
-              <a:t>outgoing connections are allowed</a:t>
-            </a:r>
-          </a:p>
-          <a:p>
-            <a:r>
-              <a:rPr lang="en-US" dirty="0"/>
-              <a:t>Container MAC address is generated from its IP</a:t>
-            </a:r>
-          </a:p>
-          <a:p>
-            <a:r>
-              <a:rPr lang="en-US" dirty="0"/>
-              <a:t>DNS is the same as host uses</a:t>
-            </a:r>
-          </a:p>
-          <a:p>
-            <a:r>
-              <a:rPr lang="en-US" dirty="0"/>
-              <a:t>Docker host has IP (can be accessed from outside)</a:t>
-            </a:r>
-          </a:p>
-          <a:p>
-            <a:endParaRPr lang="en-US" dirty="0"/>
-          </a:p>
-          <a:p>
-            <a:r>
-              <a:rPr lang="en-US" dirty="0"/>
-              <a:t>Port binding (port forwarding)</a:t>
-            </a:r>
-          </a:p>
-          <a:p>
-            <a:pPr lvl="1"/>
-            <a:r>
-              <a:rPr lang="en-US" dirty="0"/>
-              <a:t>must be set during creation</a:t>
-            </a:r>
-          </a:p>
-          <a:p>
-            <a:pPr lvl="1"/>
-            <a:r>
-              <a:rPr lang="en-US" dirty="0" err="1"/>
-              <a:t>nginx</a:t>
-            </a:r>
-            <a:endParaRPr lang="en-US" dirty="0"/>
-          </a:p>
-          <a:p>
-            <a:endParaRPr lang="en-US" dirty="0"/>
+              <a:rPr lang="en-US" i="1" dirty="0">
+                <a:solidFill>
+                  <a:schemeClr val="accent2">
+                    <a:lumMod val="75000"/>
+                  </a:schemeClr>
+                </a:solidFill>
+              </a:rPr>
+              <a:t>docker volume</a:t>
+            </a:r>
+          </a:p>
+          <a:p>
+            <a:r>
+              <a:rPr lang="en-US" i="1" dirty="0">
+                <a:solidFill>
+                  <a:schemeClr val="accent2">
+                    <a:lumMod val="75000"/>
+                  </a:schemeClr>
+                </a:solidFill>
+              </a:rPr>
+              <a:t>docker inspect</a:t>
+            </a:r>
+          </a:p>
+          <a:p>
+            <a:r>
+              <a:rPr lang="en-US" i="1" dirty="0">
+                <a:solidFill>
+                  <a:schemeClr val="accent2">
+                    <a:lumMod val="75000"/>
+                  </a:schemeClr>
+                </a:solidFill>
+              </a:rPr>
+              <a:t>docker --mount source=</a:t>
+            </a:r>
+            <a:r>
+              <a:rPr lang="en-US" i="1" dirty="0" err="1">
+                <a:solidFill>
+                  <a:schemeClr val="accent2">
+                    <a:lumMod val="75000"/>
+                  </a:schemeClr>
+                </a:solidFill>
+              </a:rPr>
+              <a:t>volume_name,target</a:t>
+            </a:r>
+            <a:r>
+              <a:rPr lang="en-US" i="1" dirty="0">
+                <a:solidFill>
+                  <a:schemeClr val="accent2">
+                    <a:lumMod val="75000"/>
+                  </a:schemeClr>
+                </a:solidFill>
+              </a:rPr>
+              <a:t>=/path</a:t>
+            </a:r>
+          </a:p>
+          <a:p>
+            <a:r>
+              <a:rPr lang="en-US" i="1" dirty="0">
+                <a:solidFill>
+                  <a:schemeClr val="accent2">
+                    <a:lumMod val="75000"/>
+                  </a:schemeClr>
+                </a:solidFill>
+              </a:rPr>
+              <a:t>docker volume create</a:t>
+            </a:r>
           </a:p>
         </p:txBody>
       </p:sp>
     </p:spTree>
     <p:extLst>
       <p:ext uri="{BB962C8B-B14F-4D97-AF65-F5344CB8AC3E}">
-        <p14:creationId xmlns:p14="http://schemas.microsoft.com/office/powerpoint/2010/main" val="2296211017"/>
+        <p14:creationId xmlns:p14="http://schemas.microsoft.com/office/powerpoint/2010/main" val="3335794604"/>
       </p:ext>
     </p:extLst>
   </p:cSld>
@@ -4917,7 +4914,7 @@
           <p:cNvPr id="2" name="Title 1">
             <a:extLst>
               <a:ext uri="{FF2B5EF4-FFF2-40B4-BE49-F238E27FC236}">
-                <a16:creationId xmlns:a16="http://schemas.microsoft.com/office/drawing/2014/main" id="{E89F9279-F437-4036-A51B-F9F9F2853ADC}"/>
+                <a16:creationId xmlns:a16="http://schemas.microsoft.com/office/drawing/2014/main" id="{08164F56-94C2-49D0-9A26-CBAFAF8A5F53}"/>
               </a:ext>
             </a:extLst>
           </p:cNvPr>
@@ -4935,7 +4932,7 @@
           <a:p>
             <a:r>
               <a:rPr lang="en-US" dirty="0"/>
-              <a:t>Docker – Networking</a:t>
+              <a:t>Docker - Networking</a:t>
             </a:r>
           </a:p>
         </p:txBody>
@@ -4945,7 +4942,7 @@
           <p:cNvPr id="3" name="Content Placeholder 2">
             <a:extLst>
               <a:ext uri="{FF2B5EF4-FFF2-40B4-BE49-F238E27FC236}">
-                <a16:creationId xmlns:a16="http://schemas.microsoft.com/office/drawing/2014/main" id="{E9BB5A2C-3CF7-4815-8D6B-8FAA55FC35EA}"/>
+                <a16:creationId xmlns:a16="http://schemas.microsoft.com/office/drawing/2014/main" id="{53676A56-9A6B-458A-BBD3-A327BD173BC3}"/>
               </a:ext>
             </a:extLst>
           </p:cNvPr>
@@ -4958,87 +4955,66 @@
         </p:nvSpPr>
         <p:spPr/>
         <p:txBody>
-          <a:bodyPr/>
-          <a:lstStyle/>
-          <a:p>
-            <a:r>
-              <a:rPr lang="en-US" dirty="0"/>
-              <a:t>Network drivers</a:t>
+          <a:bodyPr>
+            <a:normAutofit/>
+          </a:bodyPr>
+          <a:lstStyle/>
+          <a:p>
+            <a:r>
+              <a:rPr lang="en-US" dirty="0"/>
+              <a:t>Containers have their own IPs (not accessible from outside)</a:t>
             </a:r>
           </a:p>
           <a:p>
             <a:pPr lvl="1"/>
             <a:r>
               <a:rPr lang="en-US" dirty="0"/>
-              <a:t>bridge (default)</a:t>
+              <a:t>outgoing connections are allowed</a:t>
+            </a:r>
+          </a:p>
+          <a:p>
+            <a:r>
+              <a:rPr lang="en-US" dirty="0"/>
+              <a:t>Container MAC address is generated from its IP</a:t>
+            </a:r>
+          </a:p>
+          <a:p>
+            <a:r>
+              <a:rPr lang="en-US" dirty="0"/>
+              <a:t>DNS is the same as host uses</a:t>
+            </a:r>
+          </a:p>
+          <a:p>
+            <a:r>
+              <a:rPr lang="en-US" dirty="0"/>
+              <a:t>Docker host has IP (can be accessed from outside)</a:t>
+            </a:r>
+          </a:p>
+          <a:p>
+            <a:endParaRPr lang="en-US" dirty="0"/>
+          </a:p>
+          <a:p>
+            <a:r>
+              <a:rPr lang="en-US" dirty="0"/>
+              <a:t>Port binding (port forwarding)</a:t>
             </a:r>
           </a:p>
           <a:p>
             <a:pPr lvl="1"/>
             <a:r>
               <a:rPr lang="en-US" dirty="0"/>
-              <a:t>overlay</a:t>
-            </a:r>
-          </a:p>
-          <a:p>
-            <a:pPr lvl="2"/>
-            <a:r>
-              <a:rPr lang="en-US" dirty="0"/>
-              <a:t>connect multiple docker daemons</a:t>
+              <a:t>must be set during creation</a:t>
             </a:r>
           </a:p>
           <a:p>
             <a:pPr lvl="1"/>
             <a:r>
-              <a:rPr lang="en-US" dirty="0"/>
-              <a:t>host</a:t>
-            </a:r>
-          </a:p>
-          <a:p>
-            <a:pPr lvl="2"/>
-            <a:r>
-              <a:rPr lang="en-US" dirty="0"/>
-              <a:t>host’s network is used directly</a:t>
-            </a:r>
-          </a:p>
-          <a:p>
-            <a:pPr lvl="2"/>
-            <a:r>
-              <a:rPr lang="en-US" dirty="0"/>
-              <a:t>available for swarm services</a:t>
-            </a:r>
-          </a:p>
-          <a:p>
-            <a:pPr lvl="1"/>
-            <a:r>
               <a:rPr lang="en-US" dirty="0" err="1"/>
-              <a:t>macvlan</a:t>
+              <a:t>nginx</a:t>
             </a:r>
             <a:endParaRPr lang="en-US" dirty="0"/>
           </a:p>
           <a:p>
-            <a:pPr lvl="2"/>
-            <a:r>
-              <a:rPr lang="en-US" dirty="0"/>
-              <a:t>container is assigned MAC address</a:t>
-            </a:r>
-          </a:p>
-          <a:p>
-            <a:pPr lvl="2"/>
-            <a:r>
-              <a:rPr lang="en-US" dirty="0"/>
-              <a:t>for legacy reasons</a:t>
-            </a:r>
-          </a:p>
-          <a:p>
-            <a:pPr lvl="1"/>
-            <a:r>
-              <a:rPr lang="en-US" dirty="0"/>
-              <a:t>none</a:t>
-            </a:r>
-          </a:p>
-          <a:p>
-            <a:pPr lvl="1"/>
             <a:endParaRPr lang="en-US" dirty="0"/>
           </a:p>
         </p:txBody>
@@ -5046,7 +5022,7 @@
     </p:spTree>
     <p:extLst>
       <p:ext uri="{BB962C8B-B14F-4D97-AF65-F5344CB8AC3E}">
-        <p14:creationId xmlns:p14="http://schemas.microsoft.com/office/powerpoint/2010/main" val="625904788"/>
+        <p14:creationId xmlns:p14="http://schemas.microsoft.com/office/powerpoint/2010/main" val="2296211017"/>
       </p:ext>
     </p:extLst>
   </p:cSld>
@@ -5120,19 +5096,19 @@
         <p:spPr/>
         <p:txBody>
           <a:bodyPr>
-            <a:normAutofit/>
+            <a:normAutofit fontScale="92500" lnSpcReduction="10000"/>
           </a:bodyPr>
           <a:lstStyle/>
           <a:p>
             <a:r>
               <a:rPr lang="en-US" dirty="0"/>
-              <a:t>For hosting applications </a:t>
-            </a:r>
-          </a:p>
-          <a:p>
-            <a:r>
-              <a:rPr lang="en-US" dirty="0"/>
-              <a:t>Isolated environments</a:t>
+              <a:t>Executable package with software + “everything needed”</a:t>
+            </a:r>
+          </a:p>
+          <a:p>
+            <a:r>
+              <a:rPr lang="en-US" dirty="0"/>
+              <a:t>Isolated environment</a:t>
             </a:r>
           </a:p>
           <a:p>
@@ -5166,24 +5142,41 @@
           </a:p>
           <a:p>
             <a:r>
-              <a:rPr lang="en-US" dirty="0"/>
+              <a:rPr lang="en-US" sz="2200" dirty="0"/>
+              <a:t>Resource usage</a:t>
+            </a:r>
+          </a:p>
+          <a:p>
+            <a:r>
+              <a:rPr lang="en-US" sz="2200" dirty="0"/>
               <a:t>Consistent environment</a:t>
             </a:r>
           </a:p>
           <a:p>
             <a:r>
-              <a:rPr lang="en-US" dirty="0"/>
-              <a:t>Run anywhere (portability)</a:t>
-            </a:r>
-          </a:p>
-          <a:p>
-            <a:r>
-              <a:rPr lang="en-US" dirty="0"/>
+              <a:rPr lang="en-US" sz="2200" dirty="0"/>
+              <a:t>Scaling</a:t>
+            </a:r>
+          </a:p>
+          <a:p>
+            <a:r>
+              <a:rPr lang="en-US" sz="2200" dirty="0"/>
+              <a:t>Platform independence (portability; testing, staging, production </a:t>
+            </a:r>
+            <a:r>
+              <a:rPr lang="en-US" sz="2200" dirty="0" err="1"/>
+              <a:t>env</a:t>
+            </a:r>
+            <a:r>
+              <a:rPr lang="en-US" sz="2200" dirty="0"/>
+              <a:t>.)</a:t>
+            </a:r>
+          </a:p>
+          <a:p>
+            <a:r>
+              <a:rPr lang="en-US" sz="2200" dirty="0"/>
               <a:t>Isolation (cleanup, uncontrolled resource usage, …)</a:t>
             </a:r>
-          </a:p>
-          <a:p>
-            <a:endParaRPr lang="en-US" dirty="0"/>
           </a:p>
           <a:p>
             <a:pPr lvl="1"/>
@@ -5226,7 +5219,7 @@
           <p:cNvPr id="2" name="Title 1">
             <a:extLst>
               <a:ext uri="{FF2B5EF4-FFF2-40B4-BE49-F238E27FC236}">
-                <a16:creationId xmlns:a16="http://schemas.microsoft.com/office/drawing/2014/main" id="{BC3BA01F-AAE0-4BA1-9E4A-89D64DEC7B6A}"/>
+                <a16:creationId xmlns:a16="http://schemas.microsoft.com/office/drawing/2014/main" id="{E89F9279-F437-4036-A51B-F9F9F2853ADC}"/>
               </a:ext>
             </a:extLst>
           </p:cNvPr>
@@ -5244,7 +5237,7 @@
           <a:p>
             <a:r>
               <a:rPr lang="en-US" dirty="0"/>
-              <a:t>Bridge network</a:t>
+              <a:t>Docker – Networking</a:t>
             </a:r>
           </a:p>
         </p:txBody>
@@ -5254,7 +5247,7 @@
           <p:cNvPr id="3" name="Content Placeholder 2">
             <a:extLst>
               <a:ext uri="{FF2B5EF4-FFF2-40B4-BE49-F238E27FC236}">
-                <a16:creationId xmlns:a16="http://schemas.microsoft.com/office/drawing/2014/main" id="{A35F4938-CA3E-4EF4-B8A3-CCAA14709FCF}"/>
+                <a16:creationId xmlns:a16="http://schemas.microsoft.com/office/drawing/2014/main" id="{E9BB5A2C-3CF7-4815-8D6B-8FAA55FC35EA}"/>
               </a:ext>
             </a:extLst>
           </p:cNvPr>
@@ -5272,73 +5265,90 @@
           <a:p>
             <a:r>
               <a:rPr lang="en-US" dirty="0"/>
-              <a:t>communication between containers on the same docker host</a:t>
-            </a:r>
-          </a:p>
-          <a:p>
-            <a:r>
-              <a:rPr lang="en-US" dirty="0"/>
-              <a:t>default bridge network</a:t>
+              <a:t>Network drivers</a:t>
             </a:r>
           </a:p>
           <a:p>
             <a:pPr lvl="1"/>
             <a:r>
               <a:rPr lang="en-US" dirty="0"/>
-              <a:t>created automatically (all container connect to it unless specified otherwise)</a:t>
+              <a:t>bridge (default)</a:t>
             </a:r>
           </a:p>
           <a:p>
             <a:pPr lvl="1"/>
             <a:r>
               <a:rPr lang="en-US" dirty="0"/>
-              <a:t>communication via IP address</a:t>
+              <a:t>overlay</a:t>
+            </a:r>
+          </a:p>
+          <a:p>
+            <a:pPr lvl="2"/>
+            <a:r>
+              <a:rPr lang="en-US" dirty="0"/>
+              <a:t>connect multiple docker daemons</a:t>
+            </a:r>
+          </a:p>
+          <a:p>
+            <a:pPr lvl="1"/>
+            <a:r>
+              <a:rPr lang="en-US" dirty="0"/>
+              <a:t>host</a:t>
+            </a:r>
+          </a:p>
+          <a:p>
+            <a:pPr lvl="2"/>
+            <a:r>
+              <a:rPr lang="en-US" dirty="0"/>
+              <a:t>host’s network is used directly</a:t>
+            </a:r>
+          </a:p>
+          <a:p>
+            <a:pPr lvl="2"/>
+            <a:r>
+              <a:rPr lang="en-US" dirty="0"/>
+              <a:t>available for swarm services</a:t>
+            </a:r>
+          </a:p>
+          <a:p>
+            <a:pPr lvl="1"/>
+            <a:r>
+              <a:rPr lang="en-US" dirty="0" err="1"/>
+              <a:t>macvlan</a:t>
+            </a:r>
+            <a:endParaRPr lang="en-US" dirty="0"/>
+          </a:p>
+          <a:p>
+            <a:pPr lvl="2"/>
+            <a:r>
+              <a:rPr lang="en-US" dirty="0"/>
+              <a:t>container is assigned MAC address</a:t>
+            </a:r>
+          </a:p>
+          <a:p>
+            <a:pPr lvl="2"/>
+            <a:r>
+              <a:rPr lang="en-US" dirty="0"/>
+              <a:t>for legacy reasons</a:t>
+            </a:r>
+          </a:p>
+          <a:p>
+            <a:pPr lvl="1"/>
+            <a:r>
+              <a:rPr lang="en-US" dirty="0"/>
+              <a:t>none</a:t>
             </a:r>
           </a:p>
           <a:p>
             <a:pPr lvl="1"/>
             <a:endParaRPr lang="en-US" dirty="0"/>
-          </a:p>
-          <a:p>
-            <a:r>
-              <a:rPr lang="en-US" dirty="0"/>
-              <a:t>User defined bridge networks</a:t>
-            </a:r>
-          </a:p>
-          <a:p>
-            <a:pPr lvl="1"/>
-            <a:r>
-              <a:rPr lang="en-US" dirty="0"/>
-              <a:t>containers expose all ports to each other</a:t>
-            </a:r>
-          </a:p>
-          <a:p>
-            <a:pPr lvl="1"/>
-            <a:r>
-              <a:rPr lang="en-US" dirty="0"/>
-              <a:t>no ports are exposed to the outside world</a:t>
-            </a:r>
-          </a:p>
-          <a:p>
-            <a:pPr lvl="1"/>
-            <a:r>
-              <a:rPr lang="en-US" dirty="0"/>
-              <a:t>communication via container name</a:t>
-            </a:r>
-          </a:p>
-          <a:p>
-            <a:pPr lvl="1"/>
-            <a:r>
-              <a:rPr lang="en-US" dirty="0"/>
-              <a:t>can connect/disconnect on fly</a:t>
-            </a:r>
           </a:p>
         </p:txBody>
       </p:sp>
     </p:spTree>
     <p:extLst>
       <p:ext uri="{BB962C8B-B14F-4D97-AF65-F5344CB8AC3E}">
-        <p14:creationId xmlns:p14="http://schemas.microsoft.com/office/powerpoint/2010/main" val="765546256"/>
+        <p14:creationId xmlns:p14="http://schemas.microsoft.com/office/powerpoint/2010/main" val="625904788"/>
       </p:ext>
     </p:extLst>
   </p:cSld>
@@ -5370,7 +5380,7 @@
           <p:cNvPr id="2" name="Title 1">
             <a:extLst>
               <a:ext uri="{FF2B5EF4-FFF2-40B4-BE49-F238E27FC236}">
-                <a16:creationId xmlns:a16="http://schemas.microsoft.com/office/drawing/2014/main" id="{464CA198-CBF7-407B-B8A2-CA003AD7CB41}"/>
+                <a16:creationId xmlns:a16="http://schemas.microsoft.com/office/drawing/2014/main" id="{BC3BA01F-AAE0-4BA1-9E4A-89D64DEC7B6A}"/>
               </a:ext>
             </a:extLst>
           </p:cNvPr>
@@ -5386,132 +5396,95 @@
           <a:bodyPr/>
           <a:lstStyle/>
           <a:p>
+            <a:r>
+              <a:rPr lang="en-US" dirty="0"/>
+              <a:t>Bridge network</a:t>
+            </a:r>
+          </a:p>
+        </p:txBody>
+      </p:sp>
+      <p:sp>
+        <p:nvSpPr>
+          <p:cNvPr id="3" name="Content Placeholder 2">
+            <a:extLst>
+              <a:ext uri="{FF2B5EF4-FFF2-40B4-BE49-F238E27FC236}">
+                <a16:creationId xmlns:a16="http://schemas.microsoft.com/office/drawing/2014/main" id="{A35F4938-CA3E-4EF4-B8A3-CCAA14709FCF}"/>
+              </a:ext>
+            </a:extLst>
+          </p:cNvPr>
+          <p:cNvSpPr>
+            <a:spLocks noGrp="1"/>
+          </p:cNvSpPr>
+          <p:nvPr>
+            <p:ph idx="1"/>
+          </p:nvPr>
+        </p:nvSpPr>
+        <p:spPr/>
+        <p:txBody>
+          <a:bodyPr/>
+          <a:lstStyle/>
+          <a:p>
+            <a:r>
+              <a:rPr lang="en-US" dirty="0"/>
+              <a:t>communication between containers on the same docker host</a:t>
+            </a:r>
+          </a:p>
+          <a:p>
+            <a:r>
+              <a:rPr lang="en-US" dirty="0"/>
+              <a:t>default bridge network</a:t>
+            </a:r>
+          </a:p>
+          <a:p>
+            <a:pPr lvl="1"/>
+            <a:r>
+              <a:rPr lang="en-US" dirty="0"/>
+              <a:t>created automatically (all container connect to it unless specified otherwise)</a:t>
+            </a:r>
+          </a:p>
+          <a:p>
+            <a:pPr lvl="1"/>
+            <a:r>
+              <a:rPr lang="en-US" dirty="0"/>
+              <a:t>communication via IP address</a:t>
+            </a:r>
+          </a:p>
+          <a:p>
+            <a:pPr lvl="1"/>
             <a:endParaRPr lang="en-US" dirty="0"/>
           </a:p>
-        </p:txBody>
-      </p:sp>
-      <p:sp>
-        <p:nvSpPr>
-          <p:cNvPr id="3" name="Content Placeholder 2">
-            <a:extLst>
-              <a:ext uri="{FF2B5EF4-FFF2-40B4-BE49-F238E27FC236}">
-                <a16:creationId xmlns:a16="http://schemas.microsoft.com/office/drawing/2014/main" id="{C5FB6573-8C73-44D7-B5E6-65EBAF34FD85}"/>
-              </a:ext>
-            </a:extLst>
-          </p:cNvPr>
-          <p:cNvSpPr>
-            <a:spLocks noGrp="1"/>
-          </p:cNvSpPr>
-          <p:nvPr>
-            <p:ph idx="1"/>
-          </p:nvPr>
-        </p:nvSpPr>
-        <p:spPr/>
-        <p:txBody>
-          <a:bodyPr/>
-          <a:lstStyle/>
-          <a:p>
-            <a:pPr marL="0" indent="0">
-              <a:buNone/>
-            </a:pPr>
-            <a:endParaRPr lang="en-US" dirty="0"/>
-          </a:p>
-          <a:p>
-            <a:pPr marL="0" indent="0">
-              <a:buNone/>
-            </a:pPr>
-            <a:endParaRPr lang="en-US" dirty="0"/>
-          </a:p>
-          <a:p>
-            <a:pPr marL="0" indent="0">
-              <a:buNone/>
-            </a:pPr>
-            <a:endParaRPr lang="en-US" dirty="0"/>
-          </a:p>
-          <a:p>
-            <a:pPr marL="0" indent="0" algn="ctr">
-              <a:buNone/>
-            </a:pPr>
-            <a:r>
-              <a:rPr lang="en-US" sz="4800" dirty="0"/>
-              <a:t>phpMyAdmin + MariaDB</a:t>
-            </a:r>
-          </a:p>
-        </p:txBody>
-      </p:sp>
-      <p:sp>
-        <p:nvSpPr>
-          <p:cNvPr id="4" name="TextBox 3">
-            <a:extLst>
-              <a:ext uri="{FF2B5EF4-FFF2-40B4-BE49-F238E27FC236}">
-                <a16:creationId xmlns:a16="http://schemas.microsoft.com/office/drawing/2014/main" id="{AF9FF586-EB8B-4FCB-B32C-5ED37D449B20}"/>
-              </a:ext>
-            </a:extLst>
-          </p:cNvPr>
-          <p:cNvSpPr txBox="1"/>
-          <p:nvPr/>
-        </p:nvSpPr>
-        <p:spPr>
-          <a:xfrm>
-            <a:off x="0" y="5657671"/>
-            <a:ext cx="9118833" cy="1200329"/>
-          </a:xfrm>
-          <a:prstGeom prst="rect">
-            <a:avLst/>
-          </a:prstGeom>
-          <a:noFill/>
-        </p:spPr>
-        <p:txBody>
-          <a:bodyPr wrap="square" rtlCol="0">
-            <a:spAutoFit/>
-          </a:bodyPr>
-          <a:lstStyle/>
-          <a:p>
-            <a:r>
-              <a:rPr lang="en-US" i="1" dirty="0">
-                <a:solidFill>
-                  <a:schemeClr val="accent2">
-                    <a:lumMod val="75000"/>
-                  </a:schemeClr>
-                </a:solidFill>
-              </a:rPr>
-              <a:t>docker network create</a:t>
-            </a:r>
-          </a:p>
-          <a:p>
-            <a:r>
-              <a:rPr lang="en-US" i="1" dirty="0">
-                <a:solidFill>
-                  <a:schemeClr val="accent2">
-                    <a:lumMod val="75000"/>
-                  </a:schemeClr>
-                </a:solidFill>
-              </a:rPr>
-              <a:t>docker network inspect</a:t>
-            </a:r>
-          </a:p>
-          <a:p>
-            <a:r>
-              <a:rPr lang="en-US" i="1" dirty="0">
-                <a:solidFill>
-                  <a:schemeClr val="accent2">
-                    <a:lumMod val="75000"/>
-                  </a:schemeClr>
-                </a:solidFill>
-              </a:rPr>
-              <a:t>docker network connect</a:t>
-            </a:r>
-          </a:p>
-          <a:p>
-            <a:r>
-              <a:rPr lang="en-US" i="1" dirty="0">
-                <a:solidFill>
-                  <a:schemeClr val="accent2">
-                    <a:lumMod val="75000"/>
-                  </a:schemeClr>
-                </a:solidFill>
-              </a:rPr>
-              <a:t>docker -p:8080:80</a:t>
+          <a:p>
+            <a:r>
+              <a:rPr lang="en-US" dirty="0"/>
+              <a:t>User defined bridge networks</a:t>
+            </a:r>
+          </a:p>
+          <a:p>
+            <a:pPr lvl="1"/>
+            <a:r>
+              <a:rPr lang="en-US" dirty="0"/>
+              <a:t>containers expose all ports to each other</a:t>
+            </a:r>
+          </a:p>
+          <a:p>
+            <a:pPr lvl="1"/>
+            <a:r>
+              <a:rPr lang="en-US" dirty="0"/>
+              <a:t>no ports are exposed to the outside world</a:t>
+            </a:r>
+          </a:p>
+          <a:p>
+            <a:pPr lvl="1"/>
+            <a:r>
+              <a:rPr lang="en-US" dirty="0"/>
+              <a:t>communication via container name</a:t>
+            </a:r>
+          </a:p>
+          <a:p>
+            <a:pPr lvl="1"/>
+            <a:r>
+              <a:rPr lang="en-US" dirty="0"/>
+              <a:t>can connect/disconnect on fly</a:t>
             </a:r>
           </a:p>
         </p:txBody>
@@ -5519,7 +5492,7 @@
     </p:spTree>
     <p:extLst>
       <p:ext uri="{BB962C8B-B14F-4D97-AF65-F5344CB8AC3E}">
-        <p14:creationId xmlns:p14="http://schemas.microsoft.com/office/powerpoint/2010/main" val="956687476"/>
+        <p14:creationId xmlns:p14="http://schemas.microsoft.com/office/powerpoint/2010/main" val="765546256"/>
       </p:ext>
     </p:extLst>
   </p:cSld>
@@ -5551,7 +5524,7 @@
           <p:cNvPr id="2" name="Title 1">
             <a:extLst>
               <a:ext uri="{FF2B5EF4-FFF2-40B4-BE49-F238E27FC236}">
-                <a16:creationId xmlns:a16="http://schemas.microsoft.com/office/drawing/2014/main" id="{483C5101-30B7-4B6D-A099-F4519FB24302}"/>
+                <a16:creationId xmlns:a16="http://schemas.microsoft.com/office/drawing/2014/main" id="{464CA198-CBF7-407B-B8A2-CA003AD7CB41}"/>
               </a:ext>
             </a:extLst>
           </p:cNvPr>
@@ -5567,10 +5540,7 @@
           <a:bodyPr/>
           <a:lstStyle/>
           <a:p>
-            <a:r>
-              <a:rPr lang="en-US" dirty="0"/>
-              <a:t>Docker commands</a:t>
-            </a:r>
+            <a:endParaRPr lang="en-US" dirty="0"/>
           </a:p>
         </p:txBody>
       </p:sp>
@@ -5579,7 +5549,7 @@
           <p:cNvPr id="3" name="Content Placeholder 2">
             <a:extLst>
               <a:ext uri="{FF2B5EF4-FFF2-40B4-BE49-F238E27FC236}">
-                <a16:creationId xmlns:a16="http://schemas.microsoft.com/office/drawing/2014/main" id="{CE7C328A-6CF9-4C4B-9C98-529A3D72D7E7}"/>
+                <a16:creationId xmlns:a16="http://schemas.microsoft.com/office/drawing/2014/main" id="{C5FB6573-8C73-44D7-B5E6-65EBAF34FD85}"/>
               </a:ext>
             </a:extLst>
           </p:cNvPr>
@@ -5595,21 +5565,107 @@
           <a:bodyPr/>
           <a:lstStyle/>
           <a:p>
-            <a:r>
-              <a:rPr lang="en-US" dirty="0"/>
-              <a:t>docker exec</a:t>
-            </a:r>
-          </a:p>
-          <a:p>
-            <a:r>
-              <a:rPr lang="en-US" dirty="0"/>
-              <a:t>docker attach</a:t>
-            </a:r>
-          </a:p>
-          <a:p>
-            <a:r>
-              <a:rPr lang="en-US" dirty="0"/>
-              <a:t>docker commit</a:t>
+            <a:pPr marL="0" indent="0">
+              <a:buNone/>
+            </a:pPr>
+            <a:endParaRPr lang="en-US" dirty="0"/>
+          </a:p>
+          <a:p>
+            <a:pPr marL="0" indent="0">
+              <a:buNone/>
+            </a:pPr>
+            <a:endParaRPr lang="en-US" dirty="0"/>
+          </a:p>
+          <a:p>
+            <a:pPr marL="0" indent="0">
+              <a:buNone/>
+            </a:pPr>
+            <a:endParaRPr lang="en-US" dirty="0"/>
+          </a:p>
+          <a:p>
+            <a:pPr marL="0" indent="0" algn="ctr">
+              <a:buNone/>
+            </a:pPr>
+            <a:r>
+              <a:rPr lang="en-US" sz="4800" dirty="0"/>
+              <a:t>phpMyAdmin + MariaDB</a:t>
+            </a:r>
+          </a:p>
+        </p:txBody>
+      </p:sp>
+      <p:sp>
+        <p:nvSpPr>
+          <p:cNvPr id="4" name="TextBox 3">
+            <a:extLst>
+              <a:ext uri="{FF2B5EF4-FFF2-40B4-BE49-F238E27FC236}">
+                <a16:creationId xmlns:a16="http://schemas.microsoft.com/office/drawing/2014/main" id="{AF9FF586-EB8B-4FCB-B32C-5ED37D449B20}"/>
+              </a:ext>
+            </a:extLst>
+          </p:cNvPr>
+          <p:cNvSpPr txBox="1"/>
+          <p:nvPr/>
+        </p:nvSpPr>
+        <p:spPr>
+          <a:xfrm>
+            <a:off x="0" y="5657671"/>
+            <a:ext cx="9118833" cy="1200329"/>
+          </a:xfrm>
+          <a:prstGeom prst="rect">
+            <a:avLst/>
+          </a:prstGeom>
+          <a:noFill/>
+        </p:spPr>
+        <p:txBody>
+          <a:bodyPr wrap="square" rtlCol="0">
+            <a:spAutoFit/>
+          </a:bodyPr>
+          <a:lstStyle/>
+          <a:p>
+            <a:r>
+              <a:rPr lang="en-US" i="1" dirty="0">
+                <a:solidFill>
+                  <a:schemeClr val="accent2">
+                    <a:lumMod val="75000"/>
+                  </a:schemeClr>
+                </a:solidFill>
+              </a:rPr>
+              <a:t>docker network create</a:t>
+            </a:r>
+          </a:p>
+          <a:p>
+            <a:r>
+              <a:rPr lang="en-US" i="1" dirty="0">
+                <a:solidFill>
+                  <a:schemeClr val="accent2">
+                    <a:lumMod val="75000"/>
+                  </a:schemeClr>
+                </a:solidFill>
+              </a:rPr>
+              <a:t>docker network inspect</a:t>
+            </a:r>
+          </a:p>
+          <a:p>
+            <a:r>
+              <a:rPr lang="en-US" i="1" dirty="0">
+                <a:solidFill>
+                  <a:schemeClr val="accent2">
+                    <a:lumMod val="75000"/>
+                  </a:schemeClr>
+                </a:solidFill>
+              </a:rPr>
+              <a:t>docker network connect</a:t>
+            </a:r>
+          </a:p>
+          <a:p>
+            <a:r>
+              <a:rPr lang="en-US" i="1" dirty="0">
+                <a:solidFill>
+                  <a:schemeClr val="accent2">
+                    <a:lumMod val="75000"/>
+                  </a:schemeClr>
+                </a:solidFill>
+              </a:rPr>
+              <a:t>docker -p:8080:80</a:t>
             </a:r>
           </a:p>
         </p:txBody>
@@ -5617,7 +5673,7 @@
     </p:spTree>
     <p:extLst>
       <p:ext uri="{BB962C8B-B14F-4D97-AF65-F5344CB8AC3E}">
-        <p14:creationId xmlns:p14="http://schemas.microsoft.com/office/powerpoint/2010/main" val="4128457706"/>
+        <p14:creationId xmlns:p14="http://schemas.microsoft.com/office/powerpoint/2010/main" val="956687476"/>
       </p:ext>
     </p:extLst>
   </p:cSld>
@@ -5649,7 +5705,7 @@
           <p:cNvPr id="2" name="Title 1">
             <a:extLst>
               <a:ext uri="{FF2B5EF4-FFF2-40B4-BE49-F238E27FC236}">
-                <a16:creationId xmlns:a16="http://schemas.microsoft.com/office/drawing/2014/main" id="{5CCF7BB9-FCCD-4590-8A50-ECC4E97B9632}"/>
+                <a16:creationId xmlns:a16="http://schemas.microsoft.com/office/drawing/2014/main" id="{483C5101-30B7-4B6D-A099-F4519FB24302}"/>
               </a:ext>
             </a:extLst>
           </p:cNvPr>
@@ -5667,7 +5723,7 @@
           <a:p>
             <a:r>
               <a:rPr lang="en-US" dirty="0"/>
-              <a:t>Swarm</a:t>
+              <a:t>Docker commands</a:t>
             </a:r>
           </a:p>
         </p:txBody>
@@ -5677,7 +5733,7 @@
           <p:cNvPr id="3" name="Content Placeholder 2">
             <a:extLst>
               <a:ext uri="{FF2B5EF4-FFF2-40B4-BE49-F238E27FC236}">
-                <a16:creationId xmlns:a16="http://schemas.microsoft.com/office/drawing/2014/main" id="{FCAE88A4-DA84-4C33-BA2F-2E035B09B324}"/>
+                <a16:creationId xmlns:a16="http://schemas.microsoft.com/office/drawing/2014/main" id="{CE7C328A-6CF9-4C4B-9C98-529A3D72D7E7}"/>
               </a:ext>
             </a:extLst>
           </p:cNvPr>
@@ -5690,74 +5746,24 @@
         </p:nvSpPr>
         <p:spPr/>
         <p:txBody>
-          <a:bodyPr>
-            <a:normAutofit lnSpcReduction="10000"/>
-          </a:bodyPr>
-          <a:lstStyle/>
-          <a:p>
-            <a:r>
-              <a:rPr lang="en-US" dirty="0"/>
-              <a:t>Cluster of docker engines (pool of docker hosts becomes one)</a:t>
-            </a:r>
-          </a:p>
-          <a:p>
-            <a:r>
-              <a:rPr lang="en-US" dirty="0"/>
-              <a:t>Node</a:t>
-            </a:r>
-          </a:p>
-          <a:p>
-            <a:pPr lvl="1"/>
-            <a:r>
-              <a:rPr lang="en-US" dirty="0"/>
-              <a:t>physical or virtual machine running docker engine</a:t>
-            </a:r>
-          </a:p>
-          <a:p>
-            <a:pPr lvl="1"/>
-            <a:r>
-              <a:rPr lang="en-US" dirty="0"/>
-              <a:t>manager (scheduling, cluster state maintenance, …)</a:t>
-            </a:r>
-          </a:p>
-          <a:p>
-            <a:pPr lvl="1"/>
-            <a:r>
-              <a:rPr lang="en-US" dirty="0"/>
-              <a:t>worker</a:t>
-            </a:r>
-          </a:p>
-          <a:p>
-            <a:r>
-              <a:rPr lang="en-US" dirty="0"/>
-              <a:t>Define state -&gt; docker maintains it</a:t>
-            </a:r>
-          </a:p>
-          <a:p>
-            <a:r>
-              <a:rPr lang="en-US" dirty="0"/>
-              <a:t>Service</a:t>
-            </a:r>
-          </a:p>
-          <a:p>
-            <a:pPr lvl="1"/>
-            <a:r>
-              <a:rPr lang="en-US" dirty="0"/>
-              <a:t>image representing microservice</a:t>
-            </a:r>
-          </a:p>
-          <a:p>
-            <a:pPr lvl="1"/>
-            <a:r>
-              <a:rPr lang="en-US" dirty="0"/>
-              <a:t>deployed to swarm (after service creation/update orchestrator schedules tasks)</a:t>
-            </a:r>
-          </a:p>
-          <a:p>
-            <a:pPr lvl="1"/>
-            <a:r>
-              <a:rPr lang="en-US" dirty="0"/>
-              <a:t>Replicated/global services</a:t>
+          <a:bodyPr/>
+          <a:lstStyle/>
+          <a:p>
+            <a:r>
+              <a:rPr lang="en-US" dirty="0"/>
+              <a:t>docker exec</a:t>
+            </a:r>
+          </a:p>
+          <a:p>
+            <a:r>
+              <a:rPr lang="en-US" dirty="0"/>
+              <a:t>docker attach</a:t>
+            </a:r>
+          </a:p>
+          <a:p>
+            <a:r>
+              <a:rPr lang="en-US" dirty="0"/>
+              <a:t>docker commit</a:t>
             </a:r>
           </a:p>
         </p:txBody>
@@ -5765,7 +5771,7 @@
     </p:spTree>
     <p:extLst>
       <p:ext uri="{BB962C8B-B14F-4D97-AF65-F5344CB8AC3E}">
-        <p14:creationId xmlns:p14="http://schemas.microsoft.com/office/powerpoint/2010/main" val="3651795639"/>
+        <p14:creationId xmlns:p14="http://schemas.microsoft.com/office/powerpoint/2010/main" val="4128457706"/>
       </p:ext>
     </p:extLst>
   </p:cSld>
@@ -5797,6 +5803,154 @@
           <p:cNvPr id="2" name="Title 1">
             <a:extLst>
               <a:ext uri="{FF2B5EF4-FFF2-40B4-BE49-F238E27FC236}">
+                <a16:creationId xmlns:a16="http://schemas.microsoft.com/office/drawing/2014/main" id="{5CCF7BB9-FCCD-4590-8A50-ECC4E97B9632}"/>
+              </a:ext>
+            </a:extLst>
+          </p:cNvPr>
+          <p:cNvSpPr>
+            <a:spLocks noGrp="1"/>
+          </p:cNvSpPr>
+          <p:nvPr>
+            <p:ph type="title"/>
+          </p:nvPr>
+        </p:nvSpPr>
+        <p:spPr/>
+        <p:txBody>
+          <a:bodyPr/>
+          <a:lstStyle/>
+          <a:p>
+            <a:r>
+              <a:rPr lang="en-US" dirty="0"/>
+              <a:t>Swarm</a:t>
+            </a:r>
+          </a:p>
+        </p:txBody>
+      </p:sp>
+      <p:sp>
+        <p:nvSpPr>
+          <p:cNvPr id="3" name="Content Placeholder 2">
+            <a:extLst>
+              <a:ext uri="{FF2B5EF4-FFF2-40B4-BE49-F238E27FC236}">
+                <a16:creationId xmlns:a16="http://schemas.microsoft.com/office/drawing/2014/main" id="{FCAE88A4-DA84-4C33-BA2F-2E035B09B324}"/>
+              </a:ext>
+            </a:extLst>
+          </p:cNvPr>
+          <p:cNvSpPr>
+            <a:spLocks noGrp="1"/>
+          </p:cNvSpPr>
+          <p:nvPr>
+            <p:ph idx="1"/>
+          </p:nvPr>
+        </p:nvSpPr>
+        <p:spPr/>
+        <p:txBody>
+          <a:bodyPr>
+            <a:normAutofit lnSpcReduction="10000"/>
+          </a:bodyPr>
+          <a:lstStyle/>
+          <a:p>
+            <a:r>
+              <a:rPr lang="en-US" dirty="0"/>
+              <a:t>Cluster of docker engines (pool of docker hosts becomes one)</a:t>
+            </a:r>
+          </a:p>
+          <a:p>
+            <a:r>
+              <a:rPr lang="en-US" dirty="0"/>
+              <a:t>Node</a:t>
+            </a:r>
+          </a:p>
+          <a:p>
+            <a:pPr lvl="1"/>
+            <a:r>
+              <a:rPr lang="en-US" dirty="0"/>
+              <a:t>physical or virtual machine running docker engine</a:t>
+            </a:r>
+          </a:p>
+          <a:p>
+            <a:pPr lvl="1"/>
+            <a:r>
+              <a:rPr lang="en-US" dirty="0"/>
+              <a:t>manager (scheduling, cluster state maintenance, …)</a:t>
+            </a:r>
+          </a:p>
+          <a:p>
+            <a:pPr lvl="1"/>
+            <a:r>
+              <a:rPr lang="en-US" dirty="0"/>
+              <a:t>worker</a:t>
+            </a:r>
+          </a:p>
+          <a:p>
+            <a:r>
+              <a:rPr lang="en-US" dirty="0"/>
+              <a:t>Define state -&gt; docker maintains it</a:t>
+            </a:r>
+          </a:p>
+          <a:p>
+            <a:r>
+              <a:rPr lang="en-US" dirty="0"/>
+              <a:t>Service</a:t>
+            </a:r>
+          </a:p>
+          <a:p>
+            <a:pPr lvl="1"/>
+            <a:r>
+              <a:rPr lang="en-US" dirty="0"/>
+              <a:t>image representing microservice</a:t>
+            </a:r>
+          </a:p>
+          <a:p>
+            <a:pPr lvl="1"/>
+            <a:r>
+              <a:rPr lang="en-US" dirty="0"/>
+              <a:t>deployed to swarm (after service creation/update orchestrator schedules tasks)</a:t>
+            </a:r>
+          </a:p>
+          <a:p>
+            <a:pPr lvl="1"/>
+            <a:r>
+              <a:rPr lang="en-US" dirty="0"/>
+              <a:t>Replicated/global services</a:t>
+            </a:r>
+          </a:p>
+        </p:txBody>
+      </p:sp>
+    </p:spTree>
+    <p:extLst>
+      <p:ext uri="{BB962C8B-B14F-4D97-AF65-F5344CB8AC3E}">
+        <p14:creationId xmlns:p14="http://schemas.microsoft.com/office/powerpoint/2010/main" val="3651795639"/>
+      </p:ext>
+    </p:extLst>
+  </p:cSld>
+  <p:clrMapOvr>
+    <a:masterClrMapping/>
+  </p:clrMapOvr>
+</p:sld>
+</file>
+
+<file path=ppt/slides/slide25.xml><?xml version="1.0" encoding="utf-8"?>
+<p:sld xmlns:a="http://schemas.openxmlformats.org/drawingml/2006/main" xmlns:r="http://schemas.openxmlformats.org/officeDocument/2006/relationships" xmlns:p="http://schemas.openxmlformats.org/presentationml/2006/main">
+  <p:cSld>
+    <p:spTree>
+      <p:nvGrpSpPr>
+        <p:cNvPr id="1" name=""/>
+        <p:cNvGrpSpPr/>
+        <p:nvPr/>
+      </p:nvGrpSpPr>
+      <p:grpSpPr>
+        <a:xfrm>
+          <a:off x="0" y="0"/>
+          <a:ext cx="0" cy="0"/>
+          <a:chOff x="0" y="0"/>
+          <a:chExt cx="0" cy="0"/>
+        </a:xfrm>
+      </p:grpSpPr>
+      <p:sp>
+        <p:nvSpPr>
+          <p:cNvPr id="2" name="Title 1">
+            <a:extLst>
+              <a:ext uri="{FF2B5EF4-FFF2-40B4-BE49-F238E27FC236}">
                 <a16:creationId xmlns:a16="http://schemas.microsoft.com/office/drawing/2014/main" id="{C20B66C9-CE7A-4477-953E-205BA0E11C81}"/>
               </a:ext>
             </a:extLst>
@@ -5859,6 +6013,116 @@
 </file>
 
 <file path=ppt/slides/slide3.xml><?xml version="1.0" encoding="utf-8"?>
+<p:sld xmlns:a="http://schemas.openxmlformats.org/drawingml/2006/main" xmlns:r="http://schemas.openxmlformats.org/officeDocument/2006/relationships" xmlns:p="http://schemas.openxmlformats.org/presentationml/2006/main">
+  <p:cSld>
+    <p:spTree>
+      <p:nvGrpSpPr>
+        <p:cNvPr id="1" name=""/>
+        <p:cNvGrpSpPr/>
+        <p:nvPr/>
+      </p:nvGrpSpPr>
+      <p:grpSpPr>
+        <a:xfrm>
+          <a:off x="0" y="0"/>
+          <a:ext cx="0" cy="0"/>
+          <a:chOff x="0" y="0"/>
+          <a:chExt cx="0" cy="0"/>
+        </a:xfrm>
+      </p:grpSpPr>
+      <p:sp>
+        <p:nvSpPr>
+          <p:cNvPr id="2" name="Title 1">
+            <a:extLst>
+              <a:ext uri="{FF2B5EF4-FFF2-40B4-BE49-F238E27FC236}">
+                <a16:creationId xmlns:a16="http://schemas.microsoft.com/office/drawing/2014/main" id="{003FA85B-988E-4295-B536-37C415903FB6}"/>
+              </a:ext>
+            </a:extLst>
+          </p:cNvPr>
+          <p:cNvSpPr>
+            <a:spLocks noGrp="1"/>
+          </p:cNvSpPr>
+          <p:nvPr>
+            <p:ph type="title"/>
+          </p:nvPr>
+        </p:nvSpPr>
+        <p:spPr/>
+        <p:txBody>
+          <a:bodyPr/>
+          <a:lstStyle/>
+          <a:p>
+            <a:endParaRPr lang="en-US"/>
+          </a:p>
+        </p:txBody>
+      </p:sp>
+      <p:sp>
+        <p:nvSpPr>
+          <p:cNvPr id="3" name="Content Placeholder 2">
+            <a:extLst>
+              <a:ext uri="{FF2B5EF4-FFF2-40B4-BE49-F238E27FC236}">
+                <a16:creationId xmlns:a16="http://schemas.microsoft.com/office/drawing/2014/main" id="{FB767BE8-52F7-4571-A0FD-184E0E346CDC}"/>
+              </a:ext>
+            </a:extLst>
+          </p:cNvPr>
+          <p:cNvSpPr>
+            <a:spLocks noGrp="1"/>
+          </p:cNvSpPr>
+          <p:nvPr>
+            <p:ph idx="1"/>
+          </p:nvPr>
+        </p:nvSpPr>
+        <p:spPr/>
+        <p:txBody>
+          <a:bodyPr/>
+          <a:lstStyle/>
+          <a:p>
+            <a:endParaRPr lang="en-US"/>
+          </a:p>
+        </p:txBody>
+      </p:sp>
+      <p:pic>
+        <p:nvPicPr>
+          <p:cNvPr id="4" name="Picture 3">
+            <a:extLst>
+              <a:ext uri="{FF2B5EF4-FFF2-40B4-BE49-F238E27FC236}">
+                <a16:creationId xmlns:a16="http://schemas.microsoft.com/office/drawing/2014/main" id="{91AC3FD3-564F-4660-B12B-20871137D808}"/>
+              </a:ext>
+            </a:extLst>
+          </p:cNvPr>
+          <p:cNvPicPr>
+            <a:picLocks noChangeAspect="1"/>
+          </p:cNvPicPr>
+          <p:nvPr/>
+        </p:nvPicPr>
+        <p:blipFill>
+          <a:blip r:embed="rId2"/>
+          <a:stretch>
+            <a:fillRect/>
+          </a:stretch>
+        </p:blipFill>
+        <p:spPr>
+          <a:xfrm>
+            <a:off x="3418392" y="1165898"/>
+            <a:ext cx="5355215" cy="4526204"/>
+          </a:xfrm>
+          <a:prstGeom prst="rect">
+            <a:avLst/>
+          </a:prstGeom>
+        </p:spPr>
+      </p:pic>
+    </p:spTree>
+    <p:extLst>
+      <p:ext uri="{BB962C8B-B14F-4D97-AF65-F5344CB8AC3E}">
+        <p14:creationId xmlns:p14="http://schemas.microsoft.com/office/powerpoint/2010/main" val="2956982605"/>
+      </p:ext>
+    </p:extLst>
+  </p:cSld>
+  <p:clrMapOvr>
+    <a:masterClrMapping/>
+  </p:clrMapOvr>
+</p:sld>
+</file>
+
+<file path=ppt/slides/slide4.xml><?xml version="1.0" encoding="utf-8"?>
 <p:sld xmlns:a="http://schemas.openxmlformats.org/drawingml/2006/main" xmlns:r="http://schemas.openxmlformats.org/officeDocument/2006/relationships" xmlns:p="http://schemas.openxmlformats.org/presentationml/2006/main">
   <p:cSld>
     <p:spTree>
@@ -6035,98 +6299,6 @@
 </p:sld>
 </file>
 
-<file path=ppt/slides/slide4.xml><?xml version="1.0" encoding="utf-8"?>
-<p:sld xmlns:a="http://schemas.openxmlformats.org/drawingml/2006/main" xmlns:r="http://schemas.openxmlformats.org/officeDocument/2006/relationships" xmlns:p="http://schemas.openxmlformats.org/presentationml/2006/main">
-  <p:cSld>
-    <p:spTree>
-      <p:nvGrpSpPr>
-        <p:cNvPr id="1" name=""/>
-        <p:cNvGrpSpPr/>
-        <p:nvPr/>
-      </p:nvGrpSpPr>
-      <p:grpSpPr>
-        <a:xfrm>
-          <a:off x="0" y="0"/>
-          <a:ext cx="0" cy="0"/>
-          <a:chOff x="0" y="0"/>
-          <a:chExt cx="0" cy="0"/>
-        </a:xfrm>
-      </p:grpSpPr>
-      <p:sp>
-        <p:nvSpPr>
-          <p:cNvPr id="2" name="Title 1">
-            <a:extLst>
-              <a:ext uri="{FF2B5EF4-FFF2-40B4-BE49-F238E27FC236}">
-                <a16:creationId xmlns:a16="http://schemas.microsoft.com/office/drawing/2014/main" id="{633941C9-7918-40B4-A0C6-B37A327C7723}"/>
-              </a:ext>
-            </a:extLst>
-          </p:cNvPr>
-          <p:cNvSpPr>
-            <a:spLocks noGrp="1"/>
-          </p:cNvSpPr>
-          <p:nvPr>
-            <p:ph type="title"/>
-          </p:nvPr>
-        </p:nvSpPr>
-        <p:spPr/>
-        <p:txBody>
-          <a:bodyPr/>
-          <a:lstStyle/>
-          <a:p>
-            <a:r>
-              <a:rPr lang="en-US" dirty="0"/>
-              <a:t>Combining containers and VMs</a:t>
-            </a:r>
-          </a:p>
-        </p:txBody>
-      </p:sp>
-      <p:sp>
-        <p:nvSpPr>
-          <p:cNvPr id="3" name="Content Placeholder 2">
-            <a:extLst>
-              <a:ext uri="{FF2B5EF4-FFF2-40B4-BE49-F238E27FC236}">
-                <a16:creationId xmlns:a16="http://schemas.microsoft.com/office/drawing/2014/main" id="{4DDC9A2A-7836-4F12-82B0-2915084DFBD1}"/>
-              </a:ext>
-            </a:extLst>
-          </p:cNvPr>
-          <p:cNvSpPr>
-            <a:spLocks noGrp="1"/>
-          </p:cNvSpPr>
-          <p:nvPr>
-            <p:ph idx="1"/>
-          </p:nvPr>
-        </p:nvSpPr>
-        <p:spPr/>
-        <p:txBody>
-          <a:bodyPr/>
-          <a:lstStyle/>
-          <a:p>
-            <a:r>
-              <a:rPr lang="en-US" dirty="0"/>
-              <a:t>Yes (VMs are good place where to run your container)</a:t>
-            </a:r>
-          </a:p>
-          <a:p>
-            <a:r>
-              <a:rPr lang="en-US" dirty="0"/>
-              <a:t>Better utilization of hardware</a:t>
-            </a:r>
-          </a:p>
-        </p:txBody>
-      </p:sp>
-    </p:spTree>
-    <p:extLst>
-      <p:ext uri="{BB962C8B-B14F-4D97-AF65-F5344CB8AC3E}">
-        <p14:creationId xmlns:p14="http://schemas.microsoft.com/office/powerpoint/2010/main" val="1371131202"/>
-      </p:ext>
-    </p:extLst>
-  </p:cSld>
-  <p:clrMapOvr>
-    <a:masterClrMapping/>
-  </p:clrMapOvr>
-</p:sld>
-</file>
-
 <file path=ppt/slides/slide5.xml><?xml version="1.0" encoding="utf-8"?>
 <p:sld xmlns:a="http://schemas.openxmlformats.org/drawingml/2006/main" xmlns:r="http://schemas.openxmlformats.org/officeDocument/2006/relationships" xmlns:p="http://schemas.openxmlformats.org/presentationml/2006/main">
   <p:cSld>
@@ -6149,7 +6321,7 @@
           <p:cNvPr id="2" name="Title 1">
             <a:extLst>
               <a:ext uri="{FF2B5EF4-FFF2-40B4-BE49-F238E27FC236}">
-                <a16:creationId xmlns:a16="http://schemas.microsoft.com/office/drawing/2014/main" id="{0B37B7C3-7320-4648-B449-9802F33D12CF}"/>
+                <a16:creationId xmlns:a16="http://schemas.microsoft.com/office/drawing/2014/main" id="{633941C9-7918-40B4-A0C6-B37A327C7723}"/>
               </a:ext>
             </a:extLst>
           </p:cNvPr>
@@ -6167,7 +6339,7 @@
           <a:p>
             <a:r>
               <a:rPr lang="en-US" dirty="0"/>
-              <a:t>Container platforms</a:t>
+              <a:t>Combining containers and VMs</a:t>
             </a:r>
           </a:p>
         </p:txBody>
@@ -6177,7 +6349,7 @@
           <p:cNvPr id="3" name="Content Placeholder 2">
             <a:extLst>
               <a:ext uri="{FF2B5EF4-FFF2-40B4-BE49-F238E27FC236}">
-                <a16:creationId xmlns:a16="http://schemas.microsoft.com/office/drawing/2014/main" id="{7092946D-8420-44B8-BFB3-92D9A492182D}"/>
+                <a16:creationId xmlns:a16="http://schemas.microsoft.com/office/drawing/2014/main" id="{4DDC9A2A-7836-4F12-82B0-2915084DFBD1}"/>
               </a:ext>
             </a:extLst>
           </p:cNvPr>
@@ -6190,94 +6362,18 @@
         </p:nvSpPr>
         <p:spPr/>
         <p:txBody>
-          <a:bodyPr>
-            <a:normAutofit fontScale="92500" lnSpcReduction="10000"/>
-          </a:bodyPr>
-          <a:lstStyle/>
-          <a:p>
-            <a:r>
-              <a:rPr lang="en-US" b="1" dirty="0"/>
-              <a:t>Docker</a:t>
-            </a:r>
-            <a:r>
-              <a:rPr lang="en-US" dirty="0"/>
-              <a:t> (main focus today)</a:t>
-            </a:r>
-          </a:p>
-          <a:p>
-            <a:r>
-              <a:rPr lang="en-US" dirty="0" err="1"/>
-              <a:t>Rkt</a:t>
-            </a:r>
-            <a:endParaRPr lang="en-US" dirty="0"/>
-          </a:p>
-          <a:p>
-            <a:pPr lvl="1"/>
-            <a:r>
-              <a:rPr lang="en-US" dirty="0"/>
-              <a:t>Biggest docker competitor</a:t>
-            </a:r>
-          </a:p>
-          <a:p>
-            <a:pPr lvl="1"/>
-            <a:r>
-              <a:rPr lang="en-US" dirty="0"/>
-              <a:t>Runs on Linux</a:t>
-            </a:r>
-          </a:p>
-          <a:p>
-            <a:r>
-              <a:rPr lang="en-US" dirty="0"/>
-              <a:t>LXC</a:t>
-            </a:r>
-          </a:p>
-          <a:p>
-            <a:pPr lvl="1"/>
-            <a:r>
-              <a:rPr lang="en-US" dirty="0"/>
-              <a:t>Earlier </a:t>
-            </a:r>
-            <a:r>
-              <a:rPr lang="en-US"/>
-              <a:t>Docker version </a:t>
-            </a:r>
-            <a:r>
-              <a:rPr lang="en-US" dirty="0"/>
-              <a:t>was build on it</a:t>
-            </a:r>
-          </a:p>
-          <a:p>
-            <a:r>
-              <a:rPr lang="en-US" dirty="0"/>
-              <a:t>LXD</a:t>
-            </a:r>
-          </a:p>
-          <a:p>
-            <a:pPr lvl="1"/>
-            <a:r>
-              <a:rPr lang="en-US" dirty="0"/>
-              <a:t>+System hosting</a:t>
-            </a:r>
-          </a:p>
-          <a:p>
-            <a:r>
-              <a:rPr lang="en-US" dirty="0" err="1"/>
-              <a:t>OpenVZ</a:t>
-            </a:r>
-            <a:endParaRPr lang="en-US" dirty="0"/>
-          </a:p>
-          <a:p>
-            <a:pPr lvl="1"/>
-            <a:r>
-              <a:rPr lang="en-US" dirty="0"/>
-              <a:t>+System hosting</a:t>
-            </a:r>
-          </a:p>
-          <a:p>
-            <a:pPr lvl="1"/>
-            <a:r>
-              <a:rPr lang="en-US" dirty="0"/>
-              <a:t>Quite old</a:t>
+          <a:bodyPr/>
+          <a:lstStyle/>
+          <a:p>
+            <a:r>
+              <a:rPr lang="en-US" dirty="0"/>
+              <a:t>Yes (VMs are good place where to run your container)</a:t>
+            </a:r>
+          </a:p>
+          <a:p>
+            <a:r>
+              <a:rPr lang="en-US" dirty="0"/>
+              <a:t>Better utilization of hardware</a:t>
             </a:r>
           </a:p>
         </p:txBody>
@@ -6285,7 +6381,7 @@
     </p:spTree>
     <p:extLst>
       <p:ext uri="{BB962C8B-B14F-4D97-AF65-F5344CB8AC3E}">
-        <p14:creationId xmlns:p14="http://schemas.microsoft.com/office/powerpoint/2010/main" val="2730187707"/>
+        <p14:creationId xmlns:p14="http://schemas.microsoft.com/office/powerpoint/2010/main" val="1371131202"/>
       </p:ext>
     </p:extLst>
   </p:cSld>
@@ -6317,7 +6413,7 @@
           <p:cNvPr id="2" name="Title 1">
             <a:extLst>
               <a:ext uri="{FF2B5EF4-FFF2-40B4-BE49-F238E27FC236}">
-                <a16:creationId xmlns:a16="http://schemas.microsoft.com/office/drawing/2014/main" id="{8C8533C0-444A-4EDC-A5F0-9A5CE6324C05}"/>
+                <a16:creationId xmlns:a16="http://schemas.microsoft.com/office/drawing/2014/main" id="{0B37B7C3-7320-4648-B449-9802F33D12CF}"/>
               </a:ext>
             </a:extLst>
           </p:cNvPr>
@@ -6335,64 +6431,125 @@
           <a:p>
             <a:r>
               <a:rPr lang="en-US" dirty="0"/>
+              <a:t>Container platforms</a:t>
+            </a:r>
+          </a:p>
+        </p:txBody>
+      </p:sp>
+      <p:sp>
+        <p:nvSpPr>
+          <p:cNvPr id="3" name="Content Placeholder 2">
+            <a:extLst>
+              <a:ext uri="{FF2B5EF4-FFF2-40B4-BE49-F238E27FC236}">
+                <a16:creationId xmlns:a16="http://schemas.microsoft.com/office/drawing/2014/main" id="{7092946D-8420-44B8-BFB3-92D9A492182D}"/>
+              </a:ext>
+            </a:extLst>
+          </p:cNvPr>
+          <p:cNvSpPr>
+            <a:spLocks noGrp="1"/>
+          </p:cNvSpPr>
+          <p:nvPr>
+            <p:ph idx="1"/>
+          </p:nvPr>
+        </p:nvSpPr>
+        <p:spPr/>
+        <p:txBody>
+          <a:bodyPr>
+            <a:normAutofit fontScale="92500" lnSpcReduction="10000"/>
+          </a:bodyPr>
+          <a:lstStyle/>
+          <a:p>
+            <a:r>
+              <a:rPr lang="en-US" b="1" dirty="0"/>
               <a:t>Docker</a:t>
             </a:r>
-          </a:p>
-        </p:txBody>
-      </p:sp>
-      <p:sp>
-        <p:nvSpPr>
-          <p:cNvPr id="3" name="Content Placeholder 2">
-            <a:extLst>
-              <a:ext uri="{FF2B5EF4-FFF2-40B4-BE49-F238E27FC236}">
-                <a16:creationId xmlns:a16="http://schemas.microsoft.com/office/drawing/2014/main" id="{62DDAF78-4C53-470F-A75D-522FF9F32590}"/>
-              </a:ext>
-            </a:extLst>
-          </p:cNvPr>
-          <p:cNvSpPr>
-            <a:spLocks noGrp="1"/>
-          </p:cNvSpPr>
-          <p:nvPr>
-            <p:ph idx="1"/>
-          </p:nvPr>
-        </p:nvSpPr>
-        <p:spPr/>
-        <p:txBody>
-          <a:bodyPr/>
-          <a:lstStyle/>
-          <a:p>
-            <a:r>
-              <a:rPr lang="en-US" dirty="0"/>
-              <a:t>Most popular container platform</a:t>
-            </a:r>
-          </a:p>
-          <a:p>
-            <a:r>
-              <a:rPr lang="en-US" dirty="0"/>
-              <a:t>Meant for application hosting</a:t>
-            </a:r>
-          </a:p>
-          <a:p>
-            <a:r>
-              <a:rPr lang="en-US" dirty="0"/>
-              <a:t>Open source</a:t>
-            </a:r>
-          </a:p>
-          <a:p>
-            <a:r>
-              <a:rPr lang="en-US" dirty="0"/>
-              <a:t>It runs on Linux. (you can run it on Windows and OS X but via a Linux virtual machine)</a:t>
-            </a:r>
-          </a:p>
-          <a:p>
+            <a:r>
+              <a:rPr lang="en-US" dirty="0"/>
+              <a:t> (main focus today)</a:t>
+            </a:r>
+          </a:p>
+          <a:p>
+            <a:r>
+              <a:rPr lang="en-US" dirty="0" err="1"/>
+              <a:t>Rkt</a:t>
+            </a:r>
             <a:endParaRPr lang="en-US" dirty="0"/>
+          </a:p>
+          <a:p>
+            <a:pPr lvl="1"/>
+            <a:r>
+              <a:rPr lang="en-US" dirty="0"/>
+              <a:t>Biggest docker competitor</a:t>
+            </a:r>
+          </a:p>
+          <a:p>
+            <a:pPr lvl="1"/>
+            <a:r>
+              <a:rPr lang="en-US" dirty="0"/>
+              <a:t>Runs on Linux</a:t>
+            </a:r>
+          </a:p>
+          <a:p>
+            <a:r>
+              <a:rPr lang="en-US" dirty="0"/>
+              <a:t>LXC</a:t>
+            </a:r>
+          </a:p>
+          <a:p>
+            <a:pPr lvl="1"/>
+            <a:r>
+              <a:rPr lang="en-US" dirty="0"/>
+              <a:t>Earlier </a:t>
+            </a:r>
+            <a:r>
+              <a:rPr lang="en-US"/>
+              <a:t>Docker version </a:t>
+            </a:r>
+            <a:r>
+              <a:rPr lang="en-US" dirty="0"/>
+              <a:t>was build on it</a:t>
+            </a:r>
+          </a:p>
+          <a:p>
+            <a:r>
+              <a:rPr lang="en-US" dirty="0"/>
+              <a:t>LXD</a:t>
+            </a:r>
+          </a:p>
+          <a:p>
+            <a:pPr lvl="1"/>
+            <a:r>
+              <a:rPr lang="en-US" dirty="0"/>
+              <a:t>+System hosting</a:t>
+            </a:r>
+          </a:p>
+          <a:p>
+            <a:r>
+              <a:rPr lang="en-US" dirty="0" err="1"/>
+              <a:t>OpenVZ</a:t>
+            </a:r>
+            <a:endParaRPr lang="en-US" dirty="0"/>
+          </a:p>
+          <a:p>
+            <a:pPr lvl="1"/>
+            <a:r>
+              <a:rPr lang="en-US" dirty="0"/>
+              <a:t>+System hosting</a:t>
+            </a:r>
+          </a:p>
+          <a:p>
+            <a:pPr lvl="1"/>
+            <a:r>
+              <a:rPr lang="en-US" dirty="0"/>
+              <a:t>Quite old</a:t>
+            </a:r>
           </a:p>
         </p:txBody>
       </p:sp>
     </p:spTree>
     <p:extLst>
       <p:ext uri="{BB962C8B-B14F-4D97-AF65-F5344CB8AC3E}">
-        <p14:creationId xmlns:p14="http://schemas.microsoft.com/office/powerpoint/2010/main" val="28736381"/>
+        <p14:creationId xmlns:p14="http://schemas.microsoft.com/office/powerpoint/2010/main" val="2730187707"/>
       </p:ext>
     </p:extLst>
   </p:cSld>
@@ -6424,7 +6581,7 @@
           <p:cNvPr id="2" name="Title 1">
             <a:extLst>
               <a:ext uri="{FF2B5EF4-FFF2-40B4-BE49-F238E27FC236}">
-                <a16:creationId xmlns:a16="http://schemas.microsoft.com/office/drawing/2014/main" id="{EAFC53BC-A1C4-4694-8A75-F76060787440}"/>
+                <a16:creationId xmlns:a16="http://schemas.microsoft.com/office/drawing/2014/main" id="{8C8533C0-444A-4EDC-A5F0-9A5CE6324C05}"/>
               </a:ext>
             </a:extLst>
           </p:cNvPr>
@@ -6442,7 +6599,7 @@
           <a:p>
             <a:r>
               <a:rPr lang="en-US" dirty="0"/>
-              <a:t>Docker architecture</a:t>
+              <a:t>Docker</a:t>
             </a:r>
           </a:p>
         </p:txBody>
@@ -6452,7 +6609,7 @@
           <p:cNvPr id="3" name="Content Placeholder 2">
             <a:extLst>
               <a:ext uri="{FF2B5EF4-FFF2-40B4-BE49-F238E27FC236}">
-                <a16:creationId xmlns:a16="http://schemas.microsoft.com/office/drawing/2014/main" id="{B2B973A9-D070-48AB-BA9C-9E764BA9B9D3}"/>
+                <a16:creationId xmlns:a16="http://schemas.microsoft.com/office/drawing/2014/main" id="{62DDAF78-4C53-470F-A75D-522FF9F32590}"/>
               </a:ext>
             </a:extLst>
           </p:cNvPr>
@@ -6465,127 +6622,41 @@
         </p:nvSpPr>
         <p:spPr/>
         <p:txBody>
-          <a:bodyPr>
-            <a:normAutofit fontScale="92500" lnSpcReduction="10000"/>
-          </a:bodyPr>
-          <a:lstStyle/>
-          <a:p>
-            <a:r>
-              <a:rPr lang="en-US" dirty="0"/>
-              <a:t>Docker client – talks to the docker daemon</a:t>
-            </a:r>
-          </a:p>
-          <a:p>
-            <a:r>
-              <a:rPr lang="en-US" dirty="0"/>
-              <a:t>Docker engine (client-server)</a:t>
-            </a:r>
-          </a:p>
-          <a:p>
-            <a:pPr lvl="1"/>
-            <a:r>
-              <a:rPr lang="en-US" dirty="0"/>
-              <a:t>Docker daemon (server)</a:t>
-            </a:r>
-          </a:p>
-          <a:p>
-            <a:pPr lvl="1"/>
-            <a:r>
-              <a:rPr lang="en-US" dirty="0"/>
-              <a:t>REST API</a:t>
-            </a:r>
-          </a:p>
-          <a:p>
-            <a:pPr lvl="1"/>
-            <a:r>
-              <a:rPr lang="en-US" dirty="0"/>
-              <a:t>CLI</a:t>
-            </a:r>
-          </a:p>
-          <a:p>
-            <a:r>
-              <a:rPr lang="en-US" dirty="0"/>
-              <a:t>Image</a:t>
-            </a:r>
-          </a:p>
-          <a:p>
-            <a:pPr lvl="1"/>
-            <a:r>
-              <a:rPr lang="en-US" dirty="0"/>
-              <a:t>“snapshot” of container, immutable</a:t>
-            </a:r>
-          </a:p>
-          <a:p>
-            <a:pPr lvl="1"/>
-            <a:r>
-              <a:rPr lang="en-US" dirty="0"/>
-              <a:t>build from </a:t>
-            </a:r>
-            <a:r>
-              <a:rPr lang="en-US" dirty="0" err="1"/>
-              <a:t>dockerfile</a:t>
-            </a:r>
+          <a:bodyPr/>
+          <a:lstStyle/>
+          <a:p>
+            <a:r>
+              <a:rPr lang="en-US" dirty="0"/>
+              <a:t>Most popular container platform</a:t>
+            </a:r>
+          </a:p>
+          <a:p>
+            <a:r>
+              <a:rPr lang="en-US" dirty="0"/>
+              <a:t>Meant for application hosting</a:t>
+            </a:r>
+          </a:p>
+          <a:p>
+            <a:r>
+              <a:rPr lang="en-US" dirty="0"/>
+              <a:t>Open source</a:t>
+            </a:r>
+          </a:p>
+          <a:p>
+            <a:r>
+              <a:rPr lang="en-US" dirty="0"/>
+              <a:t>It runs on Linux. (you can run it on Windows and OS X but via a Linux virtual machine)</a:t>
+            </a:r>
+          </a:p>
+          <a:p>
             <a:endParaRPr lang="en-US" dirty="0"/>
           </a:p>
-          <a:p>
-            <a:r>
-              <a:rPr lang="en-US" dirty="0"/>
-              <a:t>Container</a:t>
-            </a:r>
-          </a:p>
-          <a:p>
-            <a:pPr lvl="1"/>
-            <a:r>
-              <a:rPr lang="en-US" dirty="0"/>
-              <a:t>Instance of image</a:t>
-            </a:r>
-          </a:p>
-          <a:p>
-            <a:r>
-              <a:rPr lang="en-US" dirty="0"/>
-              <a:t>Image repositories (Docker Hub, Docker Cloud)</a:t>
-            </a:r>
-          </a:p>
-          <a:p>
-            <a:pPr lvl="1"/>
-            <a:endParaRPr lang="en-US" dirty="0"/>
-          </a:p>
-        </p:txBody>
-      </p:sp>
-      <p:pic>
-        <p:nvPicPr>
-          <p:cNvPr id="4" name="Picture 3">
-            <a:extLst>
-              <a:ext uri="{FF2B5EF4-FFF2-40B4-BE49-F238E27FC236}">
-                <a16:creationId xmlns:a16="http://schemas.microsoft.com/office/drawing/2014/main" id="{2483F648-62DB-4EEC-8ADE-1F939A538873}"/>
-              </a:ext>
-            </a:extLst>
-          </p:cNvPr>
-          <p:cNvPicPr>
-            <a:picLocks noChangeAspect="1"/>
-          </p:cNvPicPr>
-          <p:nvPr/>
-        </p:nvPicPr>
-        <p:blipFill>
-          <a:blip r:embed="rId2"/>
-          <a:stretch>
-            <a:fillRect/>
-          </a:stretch>
-        </p:blipFill>
-        <p:spPr>
-          <a:xfrm>
-            <a:off x="5912537" y="2198513"/>
-            <a:ext cx="6343007" cy="3303940"/>
-          </a:xfrm>
-          <a:prstGeom prst="rect">
-            <a:avLst/>
-          </a:prstGeom>
-        </p:spPr>
-      </p:pic>
+        </p:txBody>
+      </p:sp>
     </p:spTree>
     <p:extLst>
       <p:ext uri="{BB962C8B-B14F-4D97-AF65-F5344CB8AC3E}">
-        <p14:creationId xmlns:p14="http://schemas.microsoft.com/office/powerpoint/2010/main" val="992931969"/>
+        <p14:creationId xmlns:p14="http://schemas.microsoft.com/office/powerpoint/2010/main" val="28736381"/>
       </p:ext>
     </p:extLst>
   </p:cSld>
@@ -6617,7 +6688,7 @@
           <p:cNvPr id="2" name="Title 1">
             <a:extLst>
               <a:ext uri="{FF2B5EF4-FFF2-40B4-BE49-F238E27FC236}">
-                <a16:creationId xmlns:a16="http://schemas.microsoft.com/office/drawing/2014/main" id="{464CA198-CBF7-407B-B8A2-CA003AD7CB41}"/>
+                <a16:creationId xmlns:a16="http://schemas.microsoft.com/office/drawing/2014/main" id="{EAFC53BC-A1C4-4694-8A75-F76060787440}"/>
               </a:ext>
             </a:extLst>
           </p:cNvPr>
@@ -6633,236 +6704,182 @@
           <a:bodyPr/>
           <a:lstStyle/>
           <a:p>
+            <a:r>
+              <a:rPr lang="en-US" dirty="0"/>
+              <a:t>Docker architecture</a:t>
+            </a:r>
+          </a:p>
+        </p:txBody>
+      </p:sp>
+      <p:sp>
+        <p:nvSpPr>
+          <p:cNvPr id="3" name="Content Placeholder 2">
+            <a:extLst>
+              <a:ext uri="{FF2B5EF4-FFF2-40B4-BE49-F238E27FC236}">
+                <a16:creationId xmlns:a16="http://schemas.microsoft.com/office/drawing/2014/main" id="{B2B973A9-D070-48AB-BA9C-9E764BA9B9D3}"/>
+              </a:ext>
+            </a:extLst>
+          </p:cNvPr>
+          <p:cNvSpPr>
+            <a:spLocks noGrp="1"/>
+          </p:cNvSpPr>
+          <p:nvPr>
+            <p:ph idx="1"/>
+          </p:nvPr>
+        </p:nvSpPr>
+        <p:spPr/>
+        <p:txBody>
+          <a:bodyPr>
+            <a:normAutofit fontScale="92500" lnSpcReduction="10000"/>
+          </a:bodyPr>
+          <a:lstStyle/>
+          <a:p>
+            <a:r>
+              <a:rPr lang="en-US" dirty="0"/>
+              <a:t>Docker client – talks to the docker daemon</a:t>
+            </a:r>
+          </a:p>
+          <a:p>
+            <a:r>
+              <a:rPr lang="en-US" dirty="0"/>
+              <a:t>Docker engine (client-server)</a:t>
+            </a:r>
+          </a:p>
+          <a:p>
+            <a:pPr lvl="1"/>
+            <a:r>
+              <a:rPr lang="en-US" dirty="0"/>
+              <a:t>Docker daemon (server)</a:t>
+            </a:r>
+          </a:p>
+          <a:p>
+            <a:pPr lvl="1"/>
+            <a:r>
+              <a:rPr lang="en-US" dirty="0"/>
+              <a:t>REST API</a:t>
+            </a:r>
+          </a:p>
+          <a:p>
+            <a:pPr lvl="1"/>
+            <a:r>
+              <a:rPr lang="en-US" dirty="0"/>
+              <a:t>CLI</a:t>
+            </a:r>
+          </a:p>
+          <a:p>
+            <a:r>
+              <a:rPr lang="en-US" dirty="0"/>
+              <a:t>Image</a:t>
+            </a:r>
+          </a:p>
+          <a:p>
+            <a:pPr lvl="1"/>
+            <a:r>
+              <a:rPr lang="en-US" dirty="0"/>
+              <a:t>“snapshot” of container, immutable</a:t>
+            </a:r>
+          </a:p>
+          <a:p>
+            <a:pPr lvl="1"/>
+            <a:r>
+              <a:rPr lang="en-US" dirty="0"/>
+              <a:t>build from </a:t>
+            </a:r>
+            <a:r>
+              <a:rPr lang="en-US" dirty="0" err="1"/>
+              <a:t>dockerfile</a:t>
+            </a:r>
             <a:endParaRPr lang="en-US" dirty="0"/>
           </a:p>
-        </p:txBody>
-      </p:sp>
-      <p:sp>
-        <p:nvSpPr>
-          <p:cNvPr id="3" name="Content Placeholder 2">
-            <a:extLst>
-              <a:ext uri="{FF2B5EF4-FFF2-40B4-BE49-F238E27FC236}">
-                <a16:creationId xmlns:a16="http://schemas.microsoft.com/office/drawing/2014/main" id="{C5FB6573-8C73-44D7-B5E6-65EBAF34FD85}"/>
-              </a:ext>
-            </a:extLst>
-          </p:cNvPr>
-          <p:cNvSpPr>
-            <a:spLocks noGrp="1"/>
-          </p:cNvSpPr>
-          <p:nvPr>
-            <p:ph idx="1"/>
-          </p:nvPr>
-        </p:nvSpPr>
-        <p:spPr/>
-        <p:txBody>
-          <a:bodyPr/>
-          <a:lstStyle/>
-          <a:p>
-            <a:pPr marL="0" indent="0">
-              <a:buNone/>
-            </a:pPr>
+          <a:p>
+            <a:r>
+              <a:rPr lang="en-US" dirty="0"/>
+              <a:t>Container</a:t>
+            </a:r>
+          </a:p>
+          <a:p>
+            <a:pPr lvl="1"/>
+            <a:r>
+              <a:rPr lang="en-US" dirty="0"/>
+              <a:t>Instance of image</a:t>
+            </a:r>
+          </a:p>
+          <a:p>
+            <a:r>
+              <a:rPr lang="en-US" dirty="0"/>
+              <a:t>Image repositories (Docker Hub, Docker Cloud)</a:t>
+            </a:r>
+          </a:p>
+          <a:p>
+            <a:pPr lvl="1"/>
             <a:endParaRPr lang="en-US" dirty="0"/>
           </a:p>
-          <a:p>
-            <a:pPr marL="0" indent="0">
-              <a:buNone/>
-            </a:pPr>
-            <a:endParaRPr lang="en-US" dirty="0"/>
-          </a:p>
-          <a:p>
-            <a:pPr marL="0" indent="0">
-              <a:buNone/>
-            </a:pPr>
-            <a:endParaRPr lang="en-US" dirty="0"/>
-          </a:p>
-          <a:p>
-            <a:pPr marL="0" indent="0" algn="ctr">
-              <a:buNone/>
-            </a:pPr>
-            <a:r>
-              <a:rPr lang="en-US" sz="4800" dirty="0"/>
-              <a:t>MariaDB example</a:t>
-            </a:r>
-          </a:p>
-        </p:txBody>
-      </p:sp>
-      <p:sp>
-        <p:nvSpPr>
-          <p:cNvPr id="4" name="TextBox 3">
-            <a:extLst>
-              <a:ext uri="{FF2B5EF4-FFF2-40B4-BE49-F238E27FC236}">
-                <a16:creationId xmlns:a16="http://schemas.microsoft.com/office/drawing/2014/main" id="{7A6F8156-3B86-422D-8C6F-DE4F8DDFCBFD}"/>
-              </a:ext>
-            </a:extLst>
-          </p:cNvPr>
-          <p:cNvSpPr txBox="1"/>
+        </p:txBody>
+      </p:sp>
+      <p:pic>
+        <p:nvPicPr>
+          <p:cNvPr id="4" name="Picture 3">
+            <a:extLst>
+              <a:ext uri="{FF2B5EF4-FFF2-40B4-BE49-F238E27FC236}">
+                <a16:creationId xmlns:a16="http://schemas.microsoft.com/office/drawing/2014/main" id="{2483F648-62DB-4EEC-8ADE-1F939A538873}"/>
+              </a:ext>
+            </a:extLst>
+          </p:cNvPr>
+          <p:cNvPicPr>
+            <a:picLocks noChangeAspect="1"/>
+          </p:cNvPicPr>
           <p:nvPr/>
-        </p:nvSpPr>
+        </p:nvPicPr>
+        <p:blipFill>
+          <a:blip r:embed="rId2"/>
+          <a:stretch>
+            <a:fillRect/>
+          </a:stretch>
+        </p:blipFill>
         <p:spPr>
           <a:xfrm>
-            <a:off x="0" y="4826675"/>
-            <a:ext cx="9118833" cy="2031325"/>
+            <a:off x="5828647" y="2299181"/>
+            <a:ext cx="6343007" cy="3303940"/>
           </a:xfrm>
           <a:prstGeom prst="rect">
             <a:avLst/>
           </a:prstGeom>
-          <a:noFill/>
         </p:spPr>
-        <p:txBody>
-          <a:bodyPr wrap="square" rtlCol="0">
-            <a:spAutoFit/>
-          </a:bodyPr>
-          <a:lstStyle/>
-          <a:p>
-            <a:r>
-              <a:rPr lang="en-US" i="1" dirty="0">
-                <a:solidFill>
-                  <a:schemeClr val="accent2">
-                    <a:lumMod val="75000"/>
-                  </a:schemeClr>
-                </a:solidFill>
-              </a:rPr>
-              <a:t>docker pull</a:t>
-            </a:r>
-          </a:p>
-          <a:p>
-            <a:r>
-              <a:rPr lang="en-US" i="1" dirty="0">
-                <a:solidFill>
-                  <a:schemeClr val="accent2">
-                    <a:lumMod val="75000"/>
-                  </a:schemeClr>
-                </a:solidFill>
-              </a:rPr>
-              <a:t>docker images</a:t>
-            </a:r>
-          </a:p>
-          <a:p>
-            <a:r>
-              <a:rPr lang="en-US" i="1" dirty="0">
-                <a:solidFill>
-                  <a:schemeClr val="accent2">
-                    <a:lumMod val="75000"/>
-                  </a:schemeClr>
-                </a:solidFill>
-              </a:rPr>
-              <a:t>docker </a:t>
-            </a:r>
-            <a:r>
-              <a:rPr lang="en-US" i="1" dirty="0" err="1">
-                <a:solidFill>
-                  <a:schemeClr val="accent2">
-                    <a:lumMod val="75000"/>
-                  </a:schemeClr>
-                </a:solidFill>
-              </a:rPr>
-              <a:t>ps</a:t>
-            </a:r>
-            <a:r>
-              <a:rPr lang="en-US" i="1" dirty="0">
-                <a:solidFill>
-                  <a:schemeClr val="accent2">
-                    <a:lumMod val="75000"/>
-                  </a:schemeClr>
-                </a:solidFill>
-              </a:rPr>
-              <a:t> (-a)</a:t>
-            </a:r>
-          </a:p>
-          <a:p>
-            <a:r>
-              <a:rPr lang="en-US" i="1" dirty="0">
-                <a:solidFill>
-                  <a:schemeClr val="accent2">
-                    <a:lumMod val="75000"/>
-                  </a:schemeClr>
-                </a:solidFill>
-              </a:rPr>
-              <a:t>docker run</a:t>
-            </a:r>
-          </a:p>
-          <a:p>
-            <a:r>
-              <a:rPr lang="en-US" i="1" dirty="0">
-                <a:solidFill>
-                  <a:schemeClr val="accent2">
-                    <a:lumMod val="75000"/>
-                  </a:schemeClr>
-                </a:solidFill>
-              </a:rPr>
-              <a:t>docker start</a:t>
-            </a:r>
-          </a:p>
-          <a:p>
-            <a:r>
-              <a:rPr lang="en-US" i="1" dirty="0">
-                <a:solidFill>
-                  <a:schemeClr val="accent2">
-                    <a:lumMod val="75000"/>
-                  </a:schemeClr>
-                </a:solidFill>
-              </a:rPr>
-              <a:t>docker stop</a:t>
-            </a:r>
-          </a:p>
-          <a:p>
-            <a:r>
-              <a:rPr lang="en-US" i="1" dirty="0">
-                <a:solidFill>
-                  <a:schemeClr val="accent2">
-                    <a:lumMod val="75000"/>
-                  </a:schemeClr>
-                </a:solidFill>
-              </a:rPr>
-              <a:t>docker </a:t>
-            </a:r>
-            <a:r>
-              <a:rPr lang="en-US" i="1" dirty="0" err="1">
-                <a:solidFill>
-                  <a:schemeClr val="accent2">
-                    <a:lumMod val="75000"/>
-                  </a:schemeClr>
-                </a:solidFill>
-              </a:rPr>
-              <a:t>rm</a:t>
-            </a:r>
-            <a:r>
-              <a:rPr lang="en-US" i="1" dirty="0">
-                <a:solidFill>
-                  <a:schemeClr val="accent2">
-                    <a:lumMod val="75000"/>
-                  </a:schemeClr>
-                </a:solidFill>
-              </a:rPr>
-              <a:t>(</a:t>
-            </a:r>
-            <a:r>
-              <a:rPr lang="en-US" i="1" dirty="0" err="1">
-                <a:solidFill>
-                  <a:schemeClr val="accent2">
-                    <a:lumMod val="75000"/>
-                  </a:schemeClr>
-                </a:solidFill>
-              </a:rPr>
-              <a:t>i</a:t>
-            </a:r>
-            <a:r>
-              <a:rPr lang="en-US" i="1" dirty="0">
-                <a:solidFill>
-                  <a:schemeClr val="accent2">
-                    <a:lumMod val="75000"/>
-                  </a:schemeClr>
-                </a:solidFill>
-              </a:rPr>
-              <a:t>)</a:t>
-            </a:r>
-          </a:p>
-        </p:txBody>
-      </p:sp>
+      </p:pic>
+      <p:pic>
+        <p:nvPicPr>
+          <p:cNvPr id="5" name="Picture 4">
+            <a:extLst>
+              <a:ext uri="{FF2B5EF4-FFF2-40B4-BE49-F238E27FC236}">
+                <a16:creationId xmlns:a16="http://schemas.microsoft.com/office/drawing/2014/main" id="{9F9DE87E-1791-4181-99B2-96609C5F42FA}"/>
+              </a:ext>
+            </a:extLst>
+          </p:cNvPr>
+          <p:cNvPicPr>
+            <a:picLocks noChangeAspect="1"/>
+          </p:cNvPicPr>
+          <p:nvPr/>
+        </p:nvPicPr>
+        <p:blipFill>
+          <a:blip r:embed="rId3"/>
+          <a:stretch>
+            <a:fillRect/>
+          </a:stretch>
+        </p:blipFill>
+        <p:spPr>
+          <a:xfrm>
+            <a:off x="7287104" y="0"/>
+            <a:ext cx="3429133" cy="2449381"/>
+          </a:xfrm>
+          <a:prstGeom prst="rect">
+            <a:avLst/>
+          </a:prstGeom>
+        </p:spPr>
+      </p:pic>
     </p:spTree>
     <p:extLst>
       <p:ext uri="{BB962C8B-B14F-4D97-AF65-F5344CB8AC3E}">
-        <p14:creationId xmlns:p14="http://schemas.microsoft.com/office/powerpoint/2010/main" val="1291629624"/>
+        <p14:creationId xmlns:p14="http://schemas.microsoft.com/office/powerpoint/2010/main" val="992931969"/>
       </p:ext>
     </p:extLst>
   </p:cSld>
@@ -6894,7 +6911,7 @@
           <p:cNvPr id="2" name="Title 1">
             <a:extLst>
               <a:ext uri="{FF2B5EF4-FFF2-40B4-BE49-F238E27FC236}">
-                <a16:creationId xmlns:a16="http://schemas.microsoft.com/office/drawing/2014/main" id="{FDDEB9F3-461B-4265-9B1D-4037824C205C}"/>
+                <a16:creationId xmlns:a16="http://schemas.microsoft.com/office/drawing/2014/main" id="{464CA198-CBF7-407B-B8A2-CA003AD7CB41}"/>
               </a:ext>
             </a:extLst>
           </p:cNvPr>
@@ -6910,10 +6927,6 @@
           <a:bodyPr/>
           <a:lstStyle/>
           <a:p>
-            <a:r>
-              <a:rPr lang="en-US" dirty="0" err="1"/>
-              <a:t>Dockerfile</a:t>
-            </a:r>
             <a:endParaRPr lang="en-US" dirty="0"/>
           </a:p>
         </p:txBody>
@@ -6923,7 +6936,7 @@
           <p:cNvPr id="3" name="Content Placeholder 2">
             <a:extLst>
               <a:ext uri="{FF2B5EF4-FFF2-40B4-BE49-F238E27FC236}">
-                <a16:creationId xmlns:a16="http://schemas.microsoft.com/office/drawing/2014/main" id="{C801C1B4-72B6-4993-AAF4-ED9C27918B8B}"/>
+                <a16:creationId xmlns:a16="http://schemas.microsoft.com/office/drawing/2014/main" id="{C5FB6573-8C73-44D7-B5E6-65EBAF34FD85}"/>
               </a:ext>
             </a:extLst>
           </p:cNvPr>
@@ -6939,66 +6952,211 @@
           <a:bodyPr/>
           <a:lstStyle/>
           <a:p>
-            <a:r>
-              <a:rPr lang="en-US" dirty="0"/>
-              <a:t>Instructions how to build docker image</a:t>
-            </a:r>
-          </a:p>
-          <a:p>
-            <a:r>
-              <a:rPr lang="en-US" dirty="0"/>
-              <a:t>Parent image</a:t>
-            </a:r>
-          </a:p>
-          <a:p>
-            <a:pPr lvl="1"/>
-            <a:r>
-              <a:rPr lang="en-US" dirty="0"/>
-              <a:t>Common starting point (.NET core, Ubuntu, database)</a:t>
-            </a:r>
-          </a:p>
-          <a:p>
-            <a:pPr lvl="1"/>
-            <a:r>
-              <a:rPr lang="en-US" dirty="0"/>
-              <a:t>FROM is always first instruction</a:t>
-            </a:r>
-          </a:p>
-          <a:p>
-            <a:r>
-              <a:rPr lang="en-US" dirty="0"/>
-              <a:t>Base image</a:t>
-            </a:r>
-          </a:p>
-          <a:p>
-            <a:pPr lvl="1"/>
-            <a:r>
-              <a:rPr lang="en-US" dirty="0"/>
-              <a:t>scratch (minimal image)</a:t>
-            </a:r>
-          </a:p>
-          <a:p>
-            <a:pPr lvl="1"/>
-            <a:r>
-              <a:rPr lang="en-US" dirty="0"/>
-              <a:t>no FROM or FROM scratch</a:t>
-            </a:r>
-          </a:p>
-          <a:p>
-            <a:r>
-              <a:rPr lang="en-US" dirty="0"/>
-              <a:t>Build context</a:t>
-            </a:r>
-          </a:p>
-          <a:p>
+            <a:pPr marL="0" indent="0">
+              <a:buNone/>
+            </a:pPr>
             <a:endParaRPr lang="en-US" dirty="0"/>
+          </a:p>
+          <a:p>
+            <a:pPr marL="0" indent="0">
+              <a:buNone/>
+            </a:pPr>
+            <a:endParaRPr lang="en-US" dirty="0"/>
+          </a:p>
+          <a:p>
+            <a:pPr marL="0" indent="0">
+              <a:buNone/>
+            </a:pPr>
+            <a:endParaRPr lang="en-US" dirty="0"/>
+          </a:p>
+          <a:p>
+            <a:pPr marL="0" indent="0" algn="ctr">
+              <a:buNone/>
+            </a:pPr>
+            <a:r>
+              <a:rPr lang="en-US" sz="4800" dirty="0"/>
+              <a:t>MariaDB example</a:t>
+            </a:r>
+          </a:p>
+        </p:txBody>
+      </p:sp>
+      <p:sp>
+        <p:nvSpPr>
+          <p:cNvPr id="4" name="TextBox 3">
+            <a:extLst>
+              <a:ext uri="{FF2B5EF4-FFF2-40B4-BE49-F238E27FC236}">
+                <a16:creationId xmlns:a16="http://schemas.microsoft.com/office/drawing/2014/main" id="{7A6F8156-3B86-422D-8C6F-DE4F8DDFCBFD}"/>
+              </a:ext>
+            </a:extLst>
+          </p:cNvPr>
+          <p:cNvSpPr txBox="1"/>
+          <p:nvPr/>
+        </p:nvSpPr>
+        <p:spPr>
+          <a:xfrm>
+            <a:off x="0" y="4826675"/>
+            <a:ext cx="9118833" cy="2031325"/>
+          </a:xfrm>
+          <a:prstGeom prst="rect">
+            <a:avLst/>
+          </a:prstGeom>
+          <a:noFill/>
+        </p:spPr>
+        <p:txBody>
+          <a:bodyPr wrap="square" rtlCol="0">
+            <a:spAutoFit/>
+          </a:bodyPr>
+          <a:lstStyle/>
+          <a:p>
+            <a:r>
+              <a:rPr lang="en-US" i="1" dirty="0">
+                <a:solidFill>
+                  <a:schemeClr val="accent2">
+                    <a:lumMod val="75000"/>
+                  </a:schemeClr>
+                </a:solidFill>
+              </a:rPr>
+              <a:t>docker pull</a:t>
+            </a:r>
+          </a:p>
+          <a:p>
+            <a:r>
+              <a:rPr lang="en-US" i="1" dirty="0">
+                <a:solidFill>
+                  <a:schemeClr val="accent2">
+                    <a:lumMod val="75000"/>
+                  </a:schemeClr>
+                </a:solidFill>
+              </a:rPr>
+              <a:t>docker images</a:t>
+            </a:r>
+          </a:p>
+          <a:p>
+            <a:r>
+              <a:rPr lang="en-US" i="1" dirty="0">
+                <a:solidFill>
+                  <a:schemeClr val="accent2">
+                    <a:lumMod val="75000"/>
+                  </a:schemeClr>
+                </a:solidFill>
+              </a:rPr>
+              <a:t>docker </a:t>
+            </a:r>
+            <a:r>
+              <a:rPr lang="en-US" i="1" dirty="0" err="1">
+                <a:solidFill>
+                  <a:schemeClr val="accent2">
+                    <a:lumMod val="75000"/>
+                  </a:schemeClr>
+                </a:solidFill>
+              </a:rPr>
+              <a:t>ps</a:t>
+            </a:r>
+            <a:r>
+              <a:rPr lang="en-US" i="1" dirty="0">
+                <a:solidFill>
+                  <a:schemeClr val="accent2">
+                    <a:lumMod val="75000"/>
+                  </a:schemeClr>
+                </a:solidFill>
+              </a:rPr>
+              <a:t> (-a)</a:t>
+            </a:r>
+          </a:p>
+          <a:p>
+            <a:r>
+              <a:rPr lang="en-US" i="1" dirty="0">
+                <a:solidFill>
+                  <a:schemeClr val="accent2">
+                    <a:lumMod val="75000"/>
+                  </a:schemeClr>
+                </a:solidFill>
+              </a:rPr>
+              <a:t>docker run</a:t>
+            </a:r>
+          </a:p>
+          <a:p>
+            <a:r>
+              <a:rPr lang="en-US" i="1" dirty="0">
+                <a:solidFill>
+                  <a:schemeClr val="accent2">
+                    <a:lumMod val="75000"/>
+                  </a:schemeClr>
+                </a:solidFill>
+              </a:rPr>
+              <a:t>docker start</a:t>
+            </a:r>
+          </a:p>
+          <a:p>
+            <a:r>
+              <a:rPr lang="en-US" i="1" dirty="0">
+                <a:solidFill>
+                  <a:schemeClr val="accent2">
+                    <a:lumMod val="75000"/>
+                  </a:schemeClr>
+                </a:solidFill>
+              </a:rPr>
+              <a:t>docker stop</a:t>
+            </a:r>
+          </a:p>
+          <a:p>
+            <a:r>
+              <a:rPr lang="en-US" i="1" dirty="0">
+                <a:solidFill>
+                  <a:schemeClr val="accent2">
+                    <a:lumMod val="75000"/>
+                  </a:schemeClr>
+                </a:solidFill>
+              </a:rPr>
+              <a:t>docker </a:t>
+            </a:r>
+            <a:r>
+              <a:rPr lang="en-US" i="1" dirty="0" err="1">
+                <a:solidFill>
+                  <a:schemeClr val="accent2">
+                    <a:lumMod val="75000"/>
+                  </a:schemeClr>
+                </a:solidFill>
+              </a:rPr>
+              <a:t>rm</a:t>
+            </a:r>
+            <a:r>
+              <a:rPr lang="en-US" i="1" dirty="0">
+                <a:solidFill>
+                  <a:schemeClr val="accent2">
+                    <a:lumMod val="75000"/>
+                  </a:schemeClr>
+                </a:solidFill>
+              </a:rPr>
+              <a:t>(</a:t>
+            </a:r>
+            <a:r>
+              <a:rPr lang="en-US" i="1" dirty="0" err="1">
+                <a:solidFill>
+                  <a:schemeClr val="accent2">
+                    <a:lumMod val="75000"/>
+                  </a:schemeClr>
+                </a:solidFill>
+              </a:rPr>
+              <a:t>i</a:t>
+            </a:r>
+            <a:r>
+              <a:rPr lang="en-US" i="1" dirty="0">
+                <a:solidFill>
+                  <a:schemeClr val="accent2">
+                    <a:lumMod val="75000"/>
+                  </a:schemeClr>
+                </a:solidFill>
+              </a:rPr>
+              <a:t>)</a:t>
+            </a:r>
           </a:p>
         </p:txBody>
       </p:sp>
     </p:spTree>
     <p:extLst>
       <p:ext uri="{BB962C8B-B14F-4D97-AF65-F5344CB8AC3E}">
-        <p14:creationId xmlns:p14="http://schemas.microsoft.com/office/powerpoint/2010/main" val="956415270"/>
+        <p14:creationId xmlns:p14="http://schemas.microsoft.com/office/powerpoint/2010/main" val="1291629624"/>
       </p:ext>
     </p:extLst>
   </p:cSld>

--- a/slides/docker.pptx
+++ b/slides/docker.pptx
@@ -3524,7 +3524,7 @@
             <a:pPr lvl="1"/>
             <a:r>
               <a:rPr lang="en-US" dirty="0"/>
-              <a:t>scratch (minimal image)</a:t>
+              <a:t>no parent - scratch (minimal image)</a:t>
             </a:r>
           </a:p>
           <a:p>
@@ -3545,6 +3545,36 @@
           </a:p>
         </p:txBody>
       </p:sp>
+      <p:pic>
+        <p:nvPicPr>
+          <p:cNvPr id="4" name="Picture 3">
+            <a:extLst>
+              <a:ext uri="{FF2B5EF4-FFF2-40B4-BE49-F238E27FC236}">
+                <a16:creationId xmlns:a16="http://schemas.microsoft.com/office/drawing/2014/main" id="{63E61BB3-4A80-4859-A930-E1030234E5C1}"/>
+              </a:ext>
+            </a:extLst>
+          </p:cNvPr>
+          <p:cNvPicPr>
+            <a:picLocks noChangeAspect="1"/>
+          </p:cNvPicPr>
+          <p:nvPr/>
+        </p:nvPicPr>
+        <p:blipFill>
+          <a:blip r:embed="rId2"/>
+          <a:stretch>
+            <a:fillRect/>
+          </a:stretch>
+        </p:blipFill>
+        <p:spPr>
+          <a:xfrm>
+            <a:off x="10277907" y="2102014"/>
+            <a:ext cx="1753309" cy="886183"/>
+          </a:xfrm>
+          <a:prstGeom prst="rect">
+            <a:avLst/>
+          </a:prstGeom>
+        </p:spPr>
+      </p:pic>
     </p:spTree>
     <p:extLst>
       <p:ext uri="{BB962C8B-B14F-4D97-AF65-F5344CB8AC3E}">
@@ -5300,8 +5330,13 @@
             <a:pPr lvl="2"/>
             <a:r>
               <a:rPr lang="en-US" dirty="0"/>
-              <a:t>host’s network is used directly</a:t>
-            </a:r>
+              <a:t>host’s network is used directly (</a:t>
+            </a:r>
+            <a:r>
+              <a:rPr lang="en-US"/>
+              <a:t>no isolation)</a:t>
+            </a:r>
+            <a:endParaRPr lang="en-US" dirty="0"/>
           </a:p>
           <a:p>
             <a:pPr lvl="2"/>
@@ -5766,6 +5801,20 @@
               <a:t>docker commit</a:t>
             </a:r>
           </a:p>
+          <a:p>
+            <a:r>
+              <a:rPr lang="en-US" dirty="0"/>
+              <a:t> docker exec -it [</a:t>
+            </a:r>
+            <a:r>
+              <a:rPr lang="en-US" dirty="0" err="1"/>
+              <a:t>container_id</a:t>
+            </a:r>
+            <a:r>
+              <a:rPr lang="en-US" dirty="0"/>
+              <a:t>] ./bin/bash</a:t>
+            </a:r>
+          </a:p>
         </p:txBody>
       </p:sp>
     </p:spTree>
@@ -5871,7 +5920,7 @@
             <a:pPr lvl="1"/>
             <a:r>
               <a:rPr lang="en-US" dirty="0"/>
-              <a:t>manager (scheduling, cluster state maintenance, …)</a:t>
+              <a:t>manager - scheduling, cluster state maintenance, … (Kubernetes)</a:t>
             </a:r>
           </a:p>
           <a:p>
